--- a/ppt/git_install.pptx
+++ b/ppt/git_install.pptx
@@ -1,6 +1,6 @@
 
 <file path=ppt/presentation.xml><?xml version="1.0" encoding="utf-8"?>
-<p:presentation xmlns:a="http://schemas.openxmlformats.org/drawingml/2006/main" xmlns:r="http://schemas.openxmlformats.org/officeDocument/2006/relationships" xmlns:p="http://schemas.openxmlformats.org/presentationml/2006/main" saveSubsetFonts="1">
+<p:presentation xmlns:a="http://schemas.openxmlformats.org/drawingml/2006/main" xmlns:r="http://schemas.openxmlformats.org/officeDocument/2006/relationships" xmlns:p="http://schemas.openxmlformats.org/presentationml/2006/main">
   <p:sldMasterIdLst>
     <p:sldMasterId id="2147483648" r:id="rId1"/>
   </p:sldMasterIdLst>
@@ -17,6 +17,8 @@
     <p:sldId id="267" r:id="rId11"/>
     <p:sldId id="268" r:id="rId12"/>
     <p:sldId id="269" r:id="rId13"/>
+    <p:sldId id="270" r:id="rId14"/>
+    <p:sldId id="271" r:id="rId15"/>
   </p:sldIdLst>
   <p:sldSz cx="12192000" cy="6858000"/>
   <p:notesSz cx="6858000" cy="9144000"/>
@@ -132,12 +134,46 @@
             <p14:sldId id="267"/>
             <p14:sldId id="268"/>
             <p14:sldId id="269"/>
+            <p14:sldId id="270"/>
+            <p14:sldId id="271"/>
           </p14:sldIdLst>
         </p14:section>
       </p14:sectionLst>
     </p:ext>
+    <p:ext uri="{EFAFB233-063F-42B5-8137-9DF3F51BA10A}">
+      <p15:sldGuideLst xmlns:p15="http://schemas.microsoft.com/office/powerpoint/2012/main"/>
+    </p:ext>
   </p:extLst>
 </p:presentation>
+</file>
+
+<file path=ppt/changesInfos/changesInfo1.xml><?xml version="1.0" encoding="utf-8"?>
+<pc:chgInfo xmlns:a="http://schemas.openxmlformats.org/drawingml/2006/main" xmlns:r="http://schemas.openxmlformats.org/officeDocument/2006/relationships" xmlns:ac="http://schemas.microsoft.com/office/drawing/2013/main/command" xmlns:pc="http://schemas.microsoft.com/office/powerpoint/2013/main/command">
+  <pc:docChgLst>
+    <pc:chgData name="Kiran Teja Gamidi" userId="47f5e28923a31fdd" providerId="LiveId" clId="{089ED065-8AE1-46A2-BB73-EC2C390FCF4B}"/>
+    <pc:docChg chg="custSel modSld">
+      <pc:chgData name="Kiran Teja Gamidi" userId="47f5e28923a31fdd" providerId="LiveId" clId="{089ED065-8AE1-46A2-BB73-EC2C390FCF4B}" dt="2024-01-27T13:34:24.356" v="457" actId="20577"/>
+      <pc:docMkLst>
+        <pc:docMk/>
+      </pc:docMkLst>
+      <pc:sldChg chg="modSp mod">
+        <pc:chgData name="Kiran Teja Gamidi" userId="47f5e28923a31fdd" providerId="LiveId" clId="{089ED065-8AE1-46A2-BB73-EC2C390FCF4B}" dt="2024-01-27T13:34:24.356" v="457" actId="20577"/>
+        <pc:sldMkLst>
+          <pc:docMk/>
+          <pc:sldMk cId="0" sldId="271"/>
+        </pc:sldMkLst>
+        <pc:spChg chg="mod">
+          <ac:chgData name="Kiran Teja Gamidi" userId="47f5e28923a31fdd" providerId="LiveId" clId="{089ED065-8AE1-46A2-BB73-EC2C390FCF4B}" dt="2024-01-27T13:34:24.356" v="457" actId="20577"/>
+          <ac:spMkLst>
+            <pc:docMk/>
+            <pc:sldMk cId="0" sldId="271"/>
+            <ac:spMk id="3" creationId="{00000000-0000-0000-0000-000000000000}"/>
+          </ac:spMkLst>
+        </pc:spChg>
+      </pc:sldChg>
+    </pc:docChg>
+  </pc:docChgLst>
+</pc:chgInfo>
 </file>
 
 <file path=ppt/slideLayouts/slideLayout1.xml><?xml version="1.0" encoding="utf-8"?>
@@ -159,13 +195,7 @@
       </p:grpSpPr>
       <p:sp>
         <p:nvSpPr>
-          <p:cNvPr id="2" name="Title 1">
-            <a:extLst>
-              <a:ext uri="{FF2B5EF4-FFF2-40B4-BE49-F238E27FC236}">
-                <a16:creationId xmlns:a16="http://schemas.microsoft.com/office/drawing/2014/main" id="{E440FA16-22B2-7CC8-FD0C-CE612CB076A4}"/>
-              </a:ext>
-            </a:extLst>
-          </p:cNvPr>
+          <p:cNvPr id="2" name="Title 1"/>
           <p:cNvSpPr>
             <a:spLocks noGrp="1"/>
           </p:cNvSpPr>
@@ -197,13 +227,7 @@
       </p:sp>
       <p:sp>
         <p:nvSpPr>
-          <p:cNvPr id="3" name="Subtitle 2">
-            <a:extLst>
-              <a:ext uri="{FF2B5EF4-FFF2-40B4-BE49-F238E27FC236}">
-                <a16:creationId xmlns:a16="http://schemas.microsoft.com/office/drawing/2014/main" id="{56DE1D62-CFC6-8CC0-6545-AA80AB40F210}"/>
-              </a:ext>
-            </a:extLst>
-          </p:cNvPr>
+          <p:cNvPr id="3" name="Subtitle 2"/>
           <p:cNvSpPr>
             <a:spLocks noGrp="1"/>
           </p:cNvSpPr>
@@ -268,13 +292,7 @@
       </p:sp>
       <p:sp>
         <p:nvSpPr>
-          <p:cNvPr id="4" name="Date Placeholder 3">
-            <a:extLst>
-              <a:ext uri="{FF2B5EF4-FFF2-40B4-BE49-F238E27FC236}">
-                <a16:creationId xmlns:a16="http://schemas.microsoft.com/office/drawing/2014/main" id="{D4FE416F-19B7-7C00-5075-CDBD527592A7}"/>
-              </a:ext>
-            </a:extLst>
-          </p:cNvPr>
+          <p:cNvPr id="4" name="Date Placeholder 3"/>
           <p:cNvSpPr>
             <a:spLocks noGrp="1"/>
           </p:cNvSpPr>
@@ -289,7 +307,7 @@
           <a:p>
             <a:fld id="{D7066B59-D45A-48C0-A432-A6A8A92A9450}" type="datetimeFigureOut">
               <a:rPr lang="en-IN" smtClean="0"/>
-              <a:t>26-01-2024</a:t>
+              <a:t>27-01-2024</a:t>
             </a:fld>
             <a:endParaRPr lang="en-IN"/>
           </a:p>
@@ -297,13 +315,7 @@
       </p:sp>
       <p:sp>
         <p:nvSpPr>
-          <p:cNvPr id="5" name="Footer Placeholder 4">
-            <a:extLst>
-              <a:ext uri="{FF2B5EF4-FFF2-40B4-BE49-F238E27FC236}">
-                <a16:creationId xmlns:a16="http://schemas.microsoft.com/office/drawing/2014/main" id="{B1E8484A-5EA9-AE94-3472-11DABF9DC948}"/>
-              </a:ext>
-            </a:extLst>
-          </p:cNvPr>
+          <p:cNvPr id="5" name="Footer Placeholder 4"/>
           <p:cNvSpPr>
             <a:spLocks noGrp="1"/>
           </p:cNvSpPr>
@@ -322,13 +334,7 @@
       </p:sp>
       <p:sp>
         <p:nvSpPr>
-          <p:cNvPr id="6" name="Slide Number Placeholder 5">
-            <a:extLst>
-              <a:ext uri="{FF2B5EF4-FFF2-40B4-BE49-F238E27FC236}">
-                <a16:creationId xmlns:a16="http://schemas.microsoft.com/office/drawing/2014/main" id="{628A3EBA-9915-992B-B93B-AB4C47D4A0BB}"/>
-              </a:ext>
-            </a:extLst>
-          </p:cNvPr>
+          <p:cNvPr id="6" name="Slide Number Placeholder 5"/>
           <p:cNvSpPr>
             <a:spLocks noGrp="1"/>
           </p:cNvSpPr>
@@ -350,11 +356,6 @@
         </p:txBody>
       </p:sp>
     </p:spTree>
-    <p:extLst>
-      <p:ext uri="{BB962C8B-B14F-4D97-AF65-F5344CB8AC3E}">
-        <p14:creationId xmlns:p14="http://schemas.microsoft.com/office/powerpoint/2010/main" val="2115546997"/>
-      </p:ext>
-    </p:extLst>
   </p:cSld>
   <p:clrMapOvr>
     <a:masterClrMapping/>
@@ -381,13 +382,7 @@
       </p:grpSpPr>
       <p:sp>
         <p:nvSpPr>
-          <p:cNvPr id="2" name="Title 1">
-            <a:extLst>
-              <a:ext uri="{FF2B5EF4-FFF2-40B4-BE49-F238E27FC236}">
-                <a16:creationId xmlns:a16="http://schemas.microsoft.com/office/drawing/2014/main" id="{451F2ED1-3B38-199F-3FC0-9A5AC67DFE61}"/>
-              </a:ext>
-            </a:extLst>
-          </p:cNvPr>
+          <p:cNvPr id="2" name="Title 1"/>
           <p:cNvSpPr>
             <a:spLocks noGrp="1"/>
           </p:cNvSpPr>
@@ -410,13 +405,7 @@
       </p:sp>
       <p:sp>
         <p:nvSpPr>
-          <p:cNvPr id="3" name="Vertical Text Placeholder 2">
-            <a:extLst>
-              <a:ext uri="{FF2B5EF4-FFF2-40B4-BE49-F238E27FC236}">
-                <a16:creationId xmlns:a16="http://schemas.microsoft.com/office/drawing/2014/main" id="{53378589-4E77-B54F-FAF5-7F44E43A18FF}"/>
-              </a:ext>
-            </a:extLst>
-          </p:cNvPr>
+          <p:cNvPr id="3" name="Vertical Text Placeholder 2"/>
           <p:cNvSpPr>
             <a:spLocks noGrp="1"/>
           </p:cNvSpPr>
@@ -468,13 +457,7 @@
       </p:sp>
       <p:sp>
         <p:nvSpPr>
-          <p:cNvPr id="4" name="Date Placeholder 3">
-            <a:extLst>
-              <a:ext uri="{FF2B5EF4-FFF2-40B4-BE49-F238E27FC236}">
-                <a16:creationId xmlns:a16="http://schemas.microsoft.com/office/drawing/2014/main" id="{E6B65C95-807A-7CB0-FC4E-74DB5E46D006}"/>
-              </a:ext>
-            </a:extLst>
-          </p:cNvPr>
+          <p:cNvPr id="4" name="Date Placeholder 3"/>
           <p:cNvSpPr>
             <a:spLocks noGrp="1"/>
           </p:cNvSpPr>
@@ -489,7 +472,7 @@
           <a:p>
             <a:fld id="{D7066B59-D45A-48C0-A432-A6A8A92A9450}" type="datetimeFigureOut">
               <a:rPr lang="en-IN" smtClean="0"/>
-              <a:t>26-01-2024</a:t>
+              <a:t>27-01-2024</a:t>
             </a:fld>
             <a:endParaRPr lang="en-IN"/>
           </a:p>
@@ -497,13 +480,7 @@
       </p:sp>
       <p:sp>
         <p:nvSpPr>
-          <p:cNvPr id="5" name="Footer Placeholder 4">
-            <a:extLst>
-              <a:ext uri="{FF2B5EF4-FFF2-40B4-BE49-F238E27FC236}">
-                <a16:creationId xmlns:a16="http://schemas.microsoft.com/office/drawing/2014/main" id="{5566327B-2F7B-ABF7-359F-8894D72ED61D}"/>
-              </a:ext>
-            </a:extLst>
-          </p:cNvPr>
+          <p:cNvPr id="5" name="Footer Placeholder 4"/>
           <p:cNvSpPr>
             <a:spLocks noGrp="1"/>
           </p:cNvSpPr>
@@ -522,13 +499,7 @@
       </p:sp>
       <p:sp>
         <p:nvSpPr>
-          <p:cNvPr id="6" name="Slide Number Placeholder 5">
-            <a:extLst>
-              <a:ext uri="{FF2B5EF4-FFF2-40B4-BE49-F238E27FC236}">
-                <a16:creationId xmlns:a16="http://schemas.microsoft.com/office/drawing/2014/main" id="{F02025B1-CA99-9F8D-7EB2-79A7A456F75B}"/>
-              </a:ext>
-            </a:extLst>
-          </p:cNvPr>
+          <p:cNvPr id="6" name="Slide Number Placeholder 5"/>
           <p:cNvSpPr>
             <a:spLocks noGrp="1"/>
           </p:cNvSpPr>
@@ -550,11 +521,6 @@
         </p:txBody>
       </p:sp>
     </p:spTree>
-    <p:extLst>
-      <p:ext uri="{BB962C8B-B14F-4D97-AF65-F5344CB8AC3E}">
-        <p14:creationId xmlns:p14="http://schemas.microsoft.com/office/powerpoint/2010/main" val="1799701677"/>
-      </p:ext>
-    </p:extLst>
   </p:cSld>
   <p:clrMapOvr>
     <a:masterClrMapping/>
@@ -581,13 +547,7 @@
       </p:grpSpPr>
       <p:sp>
         <p:nvSpPr>
-          <p:cNvPr id="2" name="Vertical Title 1">
-            <a:extLst>
-              <a:ext uri="{FF2B5EF4-FFF2-40B4-BE49-F238E27FC236}">
-                <a16:creationId xmlns:a16="http://schemas.microsoft.com/office/drawing/2014/main" id="{DC10D80F-A4C3-EE1B-914C-6CC00B2C56B8}"/>
-              </a:ext>
-            </a:extLst>
-          </p:cNvPr>
+          <p:cNvPr id="2" name="Vertical Title 1"/>
           <p:cNvSpPr>
             <a:spLocks noGrp="1"/>
           </p:cNvSpPr>
@@ -615,13 +575,7 @@
       </p:sp>
       <p:sp>
         <p:nvSpPr>
-          <p:cNvPr id="3" name="Vertical Text Placeholder 2">
-            <a:extLst>
-              <a:ext uri="{FF2B5EF4-FFF2-40B4-BE49-F238E27FC236}">
-                <a16:creationId xmlns:a16="http://schemas.microsoft.com/office/drawing/2014/main" id="{F3E82645-167E-1BBD-DFEE-E506BC69B1DA}"/>
-              </a:ext>
-            </a:extLst>
-          </p:cNvPr>
+          <p:cNvPr id="3" name="Vertical Text Placeholder 2"/>
           <p:cNvSpPr>
             <a:spLocks noGrp="1"/>
           </p:cNvSpPr>
@@ -678,13 +632,7 @@
       </p:sp>
       <p:sp>
         <p:nvSpPr>
-          <p:cNvPr id="4" name="Date Placeholder 3">
-            <a:extLst>
-              <a:ext uri="{FF2B5EF4-FFF2-40B4-BE49-F238E27FC236}">
-                <a16:creationId xmlns:a16="http://schemas.microsoft.com/office/drawing/2014/main" id="{97779ED7-B629-2979-4485-D95DF5E2361C}"/>
-              </a:ext>
-            </a:extLst>
-          </p:cNvPr>
+          <p:cNvPr id="4" name="Date Placeholder 3"/>
           <p:cNvSpPr>
             <a:spLocks noGrp="1"/>
           </p:cNvSpPr>
@@ -699,7 +647,7 @@
           <a:p>
             <a:fld id="{D7066B59-D45A-48C0-A432-A6A8A92A9450}" type="datetimeFigureOut">
               <a:rPr lang="en-IN" smtClean="0"/>
-              <a:t>26-01-2024</a:t>
+              <a:t>27-01-2024</a:t>
             </a:fld>
             <a:endParaRPr lang="en-IN"/>
           </a:p>
@@ -707,13 +655,7 @@
       </p:sp>
       <p:sp>
         <p:nvSpPr>
-          <p:cNvPr id="5" name="Footer Placeholder 4">
-            <a:extLst>
-              <a:ext uri="{FF2B5EF4-FFF2-40B4-BE49-F238E27FC236}">
-                <a16:creationId xmlns:a16="http://schemas.microsoft.com/office/drawing/2014/main" id="{1ED6FB8E-DEDA-9ABB-B44B-01FFFA7FE398}"/>
-              </a:ext>
-            </a:extLst>
-          </p:cNvPr>
+          <p:cNvPr id="5" name="Footer Placeholder 4"/>
           <p:cNvSpPr>
             <a:spLocks noGrp="1"/>
           </p:cNvSpPr>
@@ -732,13 +674,7 @@
       </p:sp>
       <p:sp>
         <p:nvSpPr>
-          <p:cNvPr id="6" name="Slide Number Placeholder 5">
-            <a:extLst>
-              <a:ext uri="{FF2B5EF4-FFF2-40B4-BE49-F238E27FC236}">
-                <a16:creationId xmlns:a16="http://schemas.microsoft.com/office/drawing/2014/main" id="{3E556F2E-352C-B13E-31D7-4BD64E55F268}"/>
-              </a:ext>
-            </a:extLst>
-          </p:cNvPr>
+          <p:cNvPr id="6" name="Slide Number Placeholder 5"/>
           <p:cNvSpPr>
             <a:spLocks noGrp="1"/>
           </p:cNvSpPr>
@@ -760,11 +696,6 @@
         </p:txBody>
       </p:sp>
     </p:spTree>
-    <p:extLst>
-      <p:ext uri="{BB962C8B-B14F-4D97-AF65-F5344CB8AC3E}">
-        <p14:creationId xmlns:p14="http://schemas.microsoft.com/office/powerpoint/2010/main" val="13996307"/>
-      </p:ext>
-    </p:extLst>
   </p:cSld>
   <p:clrMapOvr>
     <a:masterClrMapping/>
@@ -791,13 +722,7 @@
       </p:grpSpPr>
       <p:sp>
         <p:nvSpPr>
-          <p:cNvPr id="2" name="Title 1">
-            <a:extLst>
-              <a:ext uri="{FF2B5EF4-FFF2-40B4-BE49-F238E27FC236}">
-                <a16:creationId xmlns:a16="http://schemas.microsoft.com/office/drawing/2014/main" id="{CF573386-7E79-4146-A6AC-5A42E23FA86E}"/>
-              </a:ext>
-            </a:extLst>
-          </p:cNvPr>
+          <p:cNvPr id="2" name="Title 1"/>
           <p:cNvSpPr>
             <a:spLocks noGrp="1"/>
           </p:cNvSpPr>
@@ -820,13 +745,7 @@
       </p:sp>
       <p:sp>
         <p:nvSpPr>
-          <p:cNvPr id="3" name="Content Placeholder 2">
-            <a:extLst>
-              <a:ext uri="{FF2B5EF4-FFF2-40B4-BE49-F238E27FC236}">
-                <a16:creationId xmlns:a16="http://schemas.microsoft.com/office/drawing/2014/main" id="{C0812844-23C5-0F1B-0C51-89DD08A9E3BE}"/>
-              </a:ext>
-            </a:extLst>
-          </p:cNvPr>
+          <p:cNvPr id="3" name="Content Placeholder 2"/>
           <p:cNvSpPr>
             <a:spLocks noGrp="1"/>
           </p:cNvSpPr>
@@ -878,13 +797,7 @@
       </p:sp>
       <p:sp>
         <p:nvSpPr>
-          <p:cNvPr id="4" name="Date Placeholder 3">
-            <a:extLst>
-              <a:ext uri="{FF2B5EF4-FFF2-40B4-BE49-F238E27FC236}">
-                <a16:creationId xmlns:a16="http://schemas.microsoft.com/office/drawing/2014/main" id="{7D7C9A0C-26B8-3A11-1FCD-05DC87ECDE52}"/>
-              </a:ext>
-            </a:extLst>
-          </p:cNvPr>
+          <p:cNvPr id="4" name="Date Placeholder 3"/>
           <p:cNvSpPr>
             <a:spLocks noGrp="1"/>
           </p:cNvSpPr>
@@ -899,7 +812,7 @@
           <a:p>
             <a:fld id="{D7066B59-D45A-48C0-A432-A6A8A92A9450}" type="datetimeFigureOut">
               <a:rPr lang="en-IN" smtClean="0"/>
-              <a:t>26-01-2024</a:t>
+              <a:t>27-01-2024</a:t>
             </a:fld>
             <a:endParaRPr lang="en-IN"/>
           </a:p>
@@ -907,13 +820,7 @@
       </p:sp>
       <p:sp>
         <p:nvSpPr>
-          <p:cNvPr id="5" name="Footer Placeholder 4">
-            <a:extLst>
-              <a:ext uri="{FF2B5EF4-FFF2-40B4-BE49-F238E27FC236}">
-                <a16:creationId xmlns:a16="http://schemas.microsoft.com/office/drawing/2014/main" id="{002F6B62-9D1B-B886-3CBB-8E1CA037CBFF}"/>
-              </a:ext>
-            </a:extLst>
-          </p:cNvPr>
+          <p:cNvPr id="5" name="Footer Placeholder 4"/>
           <p:cNvSpPr>
             <a:spLocks noGrp="1"/>
           </p:cNvSpPr>
@@ -932,13 +839,7 @@
       </p:sp>
       <p:sp>
         <p:nvSpPr>
-          <p:cNvPr id="6" name="Slide Number Placeholder 5">
-            <a:extLst>
-              <a:ext uri="{FF2B5EF4-FFF2-40B4-BE49-F238E27FC236}">
-                <a16:creationId xmlns:a16="http://schemas.microsoft.com/office/drawing/2014/main" id="{796B96D4-2EC7-9C87-7190-B0D1009D326D}"/>
-              </a:ext>
-            </a:extLst>
-          </p:cNvPr>
+          <p:cNvPr id="6" name="Slide Number Placeholder 5"/>
           <p:cNvSpPr>
             <a:spLocks noGrp="1"/>
           </p:cNvSpPr>
@@ -960,11 +861,6 @@
         </p:txBody>
       </p:sp>
     </p:spTree>
-    <p:extLst>
-      <p:ext uri="{BB962C8B-B14F-4D97-AF65-F5344CB8AC3E}">
-        <p14:creationId xmlns:p14="http://schemas.microsoft.com/office/powerpoint/2010/main" val="2396354048"/>
-      </p:ext>
-    </p:extLst>
   </p:cSld>
   <p:clrMapOvr>
     <a:masterClrMapping/>
@@ -991,13 +887,7 @@
       </p:grpSpPr>
       <p:sp>
         <p:nvSpPr>
-          <p:cNvPr id="2" name="Title 1">
-            <a:extLst>
-              <a:ext uri="{FF2B5EF4-FFF2-40B4-BE49-F238E27FC236}">
-                <a16:creationId xmlns:a16="http://schemas.microsoft.com/office/drawing/2014/main" id="{3AAC2F84-69DB-D790-83C6-AD11931167D0}"/>
-              </a:ext>
-            </a:extLst>
-          </p:cNvPr>
+          <p:cNvPr id="2" name="Title 1"/>
           <p:cNvSpPr>
             <a:spLocks noGrp="1"/>
           </p:cNvSpPr>
@@ -1029,13 +919,7 @@
       </p:sp>
       <p:sp>
         <p:nvSpPr>
-          <p:cNvPr id="3" name="Text Placeholder 2">
-            <a:extLst>
-              <a:ext uri="{FF2B5EF4-FFF2-40B4-BE49-F238E27FC236}">
-                <a16:creationId xmlns:a16="http://schemas.microsoft.com/office/drawing/2014/main" id="{312C91B7-BD16-1F06-985E-364247BCE3D9}"/>
-              </a:ext>
-            </a:extLst>
-          </p:cNvPr>
+          <p:cNvPr id="3" name="Text Placeholder 2"/>
           <p:cNvSpPr>
             <a:spLocks noGrp="1"/>
           </p:cNvSpPr>
@@ -1154,13 +1038,7 @@
       </p:sp>
       <p:sp>
         <p:nvSpPr>
-          <p:cNvPr id="4" name="Date Placeholder 3">
-            <a:extLst>
-              <a:ext uri="{FF2B5EF4-FFF2-40B4-BE49-F238E27FC236}">
-                <a16:creationId xmlns:a16="http://schemas.microsoft.com/office/drawing/2014/main" id="{B6D22C1A-72D7-00FB-6E33-292BC1615C91}"/>
-              </a:ext>
-            </a:extLst>
-          </p:cNvPr>
+          <p:cNvPr id="4" name="Date Placeholder 3"/>
           <p:cNvSpPr>
             <a:spLocks noGrp="1"/>
           </p:cNvSpPr>
@@ -1175,7 +1053,7 @@
           <a:p>
             <a:fld id="{D7066B59-D45A-48C0-A432-A6A8A92A9450}" type="datetimeFigureOut">
               <a:rPr lang="en-IN" smtClean="0"/>
-              <a:t>26-01-2024</a:t>
+              <a:t>27-01-2024</a:t>
             </a:fld>
             <a:endParaRPr lang="en-IN"/>
           </a:p>
@@ -1183,13 +1061,7 @@
       </p:sp>
       <p:sp>
         <p:nvSpPr>
-          <p:cNvPr id="5" name="Footer Placeholder 4">
-            <a:extLst>
-              <a:ext uri="{FF2B5EF4-FFF2-40B4-BE49-F238E27FC236}">
-                <a16:creationId xmlns:a16="http://schemas.microsoft.com/office/drawing/2014/main" id="{0BF0EDF3-8622-A4C5-33E0-4AD9FCB6858F}"/>
-              </a:ext>
-            </a:extLst>
-          </p:cNvPr>
+          <p:cNvPr id="5" name="Footer Placeholder 4"/>
           <p:cNvSpPr>
             <a:spLocks noGrp="1"/>
           </p:cNvSpPr>
@@ -1208,13 +1080,7 @@
       </p:sp>
       <p:sp>
         <p:nvSpPr>
-          <p:cNvPr id="6" name="Slide Number Placeholder 5">
-            <a:extLst>
-              <a:ext uri="{FF2B5EF4-FFF2-40B4-BE49-F238E27FC236}">
-                <a16:creationId xmlns:a16="http://schemas.microsoft.com/office/drawing/2014/main" id="{B23A1C93-B5D9-08AA-8A1B-7B976CAFD088}"/>
-              </a:ext>
-            </a:extLst>
-          </p:cNvPr>
+          <p:cNvPr id="6" name="Slide Number Placeholder 5"/>
           <p:cNvSpPr>
             <a:spLocks noGrp="1"/>
           </p:cNvSpPr>
@@ -1236,11 +1102,6 @@
         </p:txBody>
       </p:sp>
     </p:spTree>
-    <p:extLst>
-      <p:ext uri="{BB962C8B-B14F-4D97-AF65-F5344CB8AC3E}">
-        <p14:creationId xmlns:p14="http://schemas.microsoft.com/office/powerpoint/2010/main" val="2252898757"/>
-      </p:ext>
-    </p:extLst>
   </p:cSld>
   <p:clrMapOvr>
     <a:masterClrMapping/>
@@ -1267,13 +1128,7 @@
       </p:grpSpPr>
       <p:sp>
         <p:nvSpPr>
-          <p:cNvPr id="2" name="Title 1">
-            <a:extLst>
-              <a:ext uri="{FF2B5EF4-FFF2-40B4-BE49-F238E27FC236}">
-                <a16:creationId xmlns:a16="http://schemas.microsoft.com/office/drawing/2014/main" id="{0024F445-EE56-CDA4-4560-7957B397C997}"/>
-              </a:ext>
-            </a:extLst>
-          </p:cNvPr>
+          <p:cNvPr id="2" name="Title 1"/>
           <p:cNvSpPr>
             <a:spLocks noGrp="1"/>
           </p:cNvSpPr>
@@ -1296,13 +1151,7 @@
       </p:sp>
       <p:sp>
         <p:nvSpPr>
-          <p:cNvPr id="3" name="Content Placeholder 2">
-            <a:extLst>
-              <a:ext uri="{FF2B5EF4-FFF2-40B4-BE49-F238E27FC236}">
-                <a16:creationId xmlns:a16="http://schemas.microsoft.com/office/drawing/2014/main" id="{DFCA5503-22BA-36B4-45F0-4BCD14C4A7D4}"/>
-              </a:ext>
-            </a:extLst>
-          </p:cNvPr>
+          <p:cNvPr id="3" name="Content Placeholder 2"/>
           <p:cNvSpPr>
             <a:spLocks noGrp="1"/>
           </p:cNvSpPr>
@@ -1359,13 +1208,7 @@
       </p:sp>
       <p:sp>
         <p:nvSpPr>
-          <p:cNvPr id="4" name="Content Placeholder 3">
-            <a:extLst>
-              <a:ext uri="{FF2B5EF4-FFF2-40B4-BE49-F238E27FC236}">
-                <a16:creationId xmlns:a16="http://schemas.microsoft.com/office/drawing/2014/main" id="{254EAE4B-FE7C-0A6D-9780-1DAE773030DA}"/>
-              </a:ext>
-            </a:extLst>
-          </p:cNvPr>
+          <p:cNvPr id="4" name="Content Placeholder 3"/>
           <p:cNvSpPr>
             <a:spLocks noGrp="1"/>
           </p:cNvSpPr>
@@ -1422,13 +1265,7 @@
       </p:sp>
       <p:sp>
         <p:nvSpPr>
-          <p:cNvPr id="5" name="Date Placeholder 4">
-            <a:extLst>
-              <a:ext uri="{FF2B5EF4-FFF2-40B4-BE49-F238E27FC236}">
-                <a16:creationId xmlns:a16="http://schemas.microsoft.com/office/drawing/2014/main" id="{274E9CF6-7CA4-621D-A484-6BD6C36A7DE3}"/>
-              </a:ext>
-            </a:extLst>
-          </p:cNvPr>
+          <p:cNvPr id="5" name="Date Placeholder 4"/>
           <p:cNvSpPr>
             <a:spLocks noGrp="1"/>
           </p:cNvSpPr>
@@ -1443,7 +1280,7 @@
           <a:p>
             <a:fld id="{D7066B59-D45A-48C0-A432-A6A8A92A9450}" type="datetimeFigureOut">
               <a:rPr lang="en-IN" smtClean="0"/>
-              <a:t>26-01-2024</a:t>
+              <a:t>27-01-2024</a:t>
             </a:fld>
             <a:endParaRPr lang="en-IN"/>
           </a:p>
@@ -1451,13 +1288,7 @@
       </p:sp>
       <p:sp>
         <p:nvSpPr>
-          <p:cNvPr id="6" name="Footer Placeholder 5">
-            <a:extLst>
-              <a:ext uri="{FF2B5EF4-FFF2-40B4-BE49-F238E27FC236}">
-                <a16:creationId xmlns:a16="http://schemas.microsoft.com/office/drawing/2014/main" id="{9D90DB55-7236-FCBB-7D75-AEF25581251F}"/>
-              </a:ext>
-            </a:extLst>
-          </p:cNvPr>
+          <p:cNvPr id="6" name="Footer Placeholder 5"/>
           <p:cNvSpPr>
             <a:spLocks noGrp="1"/>
           </p:cNvSpPr>
@@ -1476,13 +1307,7 @@
       </p:sp>
       <p:sp>
         <p:nvSpPr>
-          <p:cNvPr id="7" name="Slide Number Placeholder 6">
-            <a:extLst>
-              <a:ext uri="{FF2B5EF4-FFF2-40B4-BE49-F238E27FC236}">
-                <a16:creationId xmlns:a16="http://schemas.microsoft.com/office/drawing/2014/main" id="{B91561DF-C613-E4C7-791F-A97D91F27C55}"/>
-              </a:ext>
-            </a:extLst>
-          </p:cNvPr>
+          <p:cNvPr id="7" name="Slide Number Placeholder 6"/>
           <p:cNvSpPr>
             <a:spLocks noGrp="1"/>
           </p:cNvSpPr>
@@ -1504,11 +1329,6 @@
         </p:txBody>
       </p:sp>
     </p:spTree>
-    <p:extLst>
-      <p:ext uri="{BB962C8B-B14F-4D97-AF65-F5344CB8AC3E}">
-        <p14:creationId xmlns:p14="http://schemas.microsoft.com/office/powerpoint/2010/main" val="2780208744"/>
-      </p:ext>
-    </p:extLst>
   </p:cSld>
   <p:clrMapOvr>
     <a:masterClrMapping/>
@@ -1535,13 +1355,7 @@
       </p:grpSpPr>
       <p:sp>
         <p:nvSpPr>
-          <p:cNvPr id="2" name="Title 1">
-            <a:extLst>
-              <a:ext uri="{FF2B5EF4-FFF2-40B4-BE49-F238E27FC236}">
-                <a16:creationId xmlns:a16="http://schemas.microsoft.com/office/drawing/2014/main" id="{6A49E5FA-C46A-6037-0967-F4CF50A7FBE9}"/>
-              </a:ext>
-            </a:extLst>
-          </p:cNvPr>
+          <p:cNvPr id="2" name="Title 1"/>
           <p:cNvSpPr>
             <a:spLocks noGrp="1"/>
           </p:cNvSpPr>
@@ -1569,13 +1383,7 @@
       </p:sp>
       <p:sp>
         <p:nvSpPr>
-          <p:cNvPr id="3" name="Text Placeholder 2">
-            <a:extLst>
-              <a:ext uri="{FF2B5EF4-FFF2-40B4-BE49-F238E27FC236}">
-                <a16:creationId xmlns:a16="http://schemas.microsoft.com/office/drawing/2014/main" id="{BB807C31-CC80-E33A-58A1-6F8CE8E6CD44}"/>
-              </a:ext>
-            </a:extLst>
-          </p:cNvPr>
+          <p:cNvPr id="3" name="Text Placeholder 2"/>
           <p:cNvSpPr>
             <a:spLocks noGrp="1"/>
           </p:cNvSpPr>
@@ -1640,13 +1448,7 @@
       </p:sp>
       <p:sp>
         <p:nvSpPr>
-          <p:cNvPr id="4" name="Content Placeholder 3">
-            <a:extLst>
-              <a:ext uri="{FF2B5EF4-FFF2-40B4-BE49-F238E27FC236}">
-                <a16:creationId xmlns:a16="http://schemas.microsoft.com/office/drawing/2014/main" id="{60D6DA59-71B7-1CE7-B572-85B6424E2241}"/>
-              </a:ext>
-            </a:extLst>
-          </p:cNvPr>
+          <p:cNvPr id="4" name="Content Placeholder 3"/>
           <p:cNvSpPr>
             <a:spLocks noGrp="1"/>
           </p:cNvSpPr>
@@ -1703,13 +1505,7 @@
       </p:sp>
       <p:sp>
         <p:nvSpPr>
-          <p:cNvPr id="5" name="Text Placeholder 4">
-            <a:extLst>
-              <a:ext uri="{FF2B5EF4-FFF2-40B4-BE49-F238E27FC236}">
-                <a16:creationId xmlns:a16="http://schemas.microsoft.com/office/drawing/2014/main" id="{08AF896A-64E5-2B7B-D7ED-D373D4823A31}"/>
-              </a:ext>
-            </a:extLst>
-          </p:cNvPr>
+          <p:cNvPr id="5" name="Text Placeholder 4"/>
           <p:cNvSpPr>
             <a:spLocks noGrp="1"/>
           </p:cNvSpPr>
@@ -1774,13 +1570,7 @@
       </p:sp>
       <p:sp>
         <p:nvSpPr>
-          <p:cNvPr id="6" name="Content Placeholder 5">
-            <a:extLst>
-              <a:ext uri="{FF2B5EF4-FFF2-40B4-BE49-F238E27FC236}">
-                <a16:creationId xmlns:a16="http://schemas.microsoft.com/office/drawing/2014/main" id="{1EF00459-323A-743D-EC70-A58A33BB4751}"/>
-              </a:ext>
-            </a:extLst>
-          </p:cNvPr>
+          <p:cNvPr id="6" name="Content Placeholder 5"/>
           <p:cNvSpPr>
             <a:spLocks noGrp="1"/>
           </p:cNvSpPr>
@@ -1837,13 +1627,7 @@
       </p:sp>
       <p:sp>
         <p:nvSpPr>
-          <p:cNvPr id="7" name="Date Placeholder 6">
-            <a:extLst>
-              <a:ext uri="{FF2B5EF4-FFF2-40B4-BE49-F238E27FC236}">
-                <a16:creationId xmlns:a16="http://schemas.microsoft.com/office/drawing/2014/main" id="{3C67C925-537C-A4E3-C632-0D91229D8A0A}"/>
-              </a:ext>
-            </a:extLst>
-          </p:cNvPr>
+          <p:cNvPr id="7" name="Date Placeholder 6"/>
           <p:cNvSpPr>
             <a:spLocks noGrp="1"/>
           </p:cNvSpPr>
@@ -1858,7 +1642,7 @@
           <a:p>
             <a:fld id="{D7066B59-D45A-48C0-A432-A6A8A92A9450}" type="datetimeFigureOut">
               <a:rPr lang="en-IN" smtClean="0"/>
-              <a:t>26-01-2024</a:t>
+              <a:t>27-01-2024</a:t>
             </a:fld>
             <a:endParaRPr lang="en-IN"/>
           </a:p>
@@ -1866,13 +1650,7 @@
       </p:sp>
       <p:sp>
         <p:nvSpPr>
-          <p:cNvPr id="8" name="Footer Placeholder 7">
-            <a:extLst>
-              <a:ext uri="{FF2B5EF4-FFF2-40B4-BE49-F238E27FC236}">
-                <a16:creationId xmlns:a16="http://schemas.microsoft.com/office/drawing/2014/main" id="{B03721D6-B80F-A350-07D1-9C79BCC1CADD}"/>
-              </a:ext>
-            </a:extLst>
-          </p:cNvPr>
+          <p:cNvPr id="8" name="Footer Placeholder 7"/>
           <p:cNvSpPr>
             <a:spLocks noGrp="1"/>
           </p:cNvSpPr>
@@ -1891,13 +1669,7 @@
       </p:sp>
       <p:sp>
         <p:nvSpPr>
-          <p:cNvPr id="9" name="Slide Number Placeholder 8">
-            <a:extLst>
-              <a:ext uri="{FF2B5EF4-FFF2-40B4-BE49-F238E27FC236}">
-                <a16:creationId xmlns:a16="http://schemas.microsoft.com/office/drawing/2014/main" id="{4F246501-8055-DDDF-84AB-8C8BFF3EF960}"/>
-              </a:ext>
-            </a:extLst>
-          </p:cNvPr>
+          <p:cNvPr id="9" name="Slide Number Placeholder 8"/>
           <p:cNvSpPr>
             <a:spLocks noGrp="1"/>
           </p:cNvSpPr>
@@ -1919,11 +1691,6 @@
         </p:txBody>
       </p:sp>
     </p:spTree>
-    <p:extLst>
-      <p:ext uri="{BB962C8B-B14F-4D97-AF65-F5344CB8AC3E}">
-        <p14:creationId xmlns:p14="http://schemas.microsoft.com/office/powerpoint/2010/main" val="1225342013"/>
-      </p:ext>
-    </p:extLst>
   </p:cSld>
   <p:clrMapOvr>
     <a:masterClrMapping/>
@@ -1950,13 +1717,7 @@
       </p:grpSpPr>
       <p:sp>
         <p:nvSpPr>
-          <p:cNvPr id="2" name="Title 1">
-            <a:extLst>
-              <a:ext uri="{FF2B5EF4-FFF2-40B4-BE49-F238E27FC236}">
-                <a16:creationId xmlns:a16="http://schemas.microsoft.com/office/drawing/2014/main" id="{4A95B2F0-8D3B-0E14-CD6C-342C44317080}"/>
-              </a:ext>
-            </a:extLst>
-          </p:cNvPr>
+          <p:cNvPr id="2" name="Title 1"/>
           <p:cNvSpPr>
             <a:spLocks noGrp="1"/>
           </p:cNvSpPr>
@@ -1979,13 +1740,7 @@
       </p:sp>
       <p:sp>
         <p:nvSpPr>
-          <p:cNvPr id="3" name="Date Placeholder 2">
-            <a:extLst>
-              <a:ext uri="{FF2B5EF4-FFF2-40B4-BE49-F238E27FC236}">
-                <a16:creationId xmlns:a16="http://schemas.microsoft.com/office/drawing/2014/main" id="{DD13E60D-8A60-01B5-3494-33B1F7C41D47}"/>
-              </a:ext>
-            </a:extLst>
-          </p:cNvPr>
+          <p:cNvPr id="3" name="Date Placeholder 2"/>
           <p:cNvSpPr>
             <a:spLocks noGrp="1"/>
           </p:cNvSpPr>
@@ -2000,7 +1755,7 @@
           <a:p>
             <a:fld id="{D7066B59-D45A-48C0-A432-A6A8A92A9450}" type="datetimeFigureOut">
               <a:rPr lang="en-IN" smtClean="0"/>
-              <a:t>26-01-2024</a:t>
+              <a:t>27-01-2024</a:t>
             </a:fld>
             <a:endParaRPr lang="en-IN"/>
           </a:p>
@@ -2008,13 +1763,7 @@
       </p:sp>
       <p:sp>
         <p:nvSpPr>
-          <p:cNvPr id="4" name="Footer Placeholder 3">
-            <a:extLst>
-              <a:ext uri="{FF2B5EF4-FFF2-40B4-BE49-F238E27FC236}">
-                <a16:creationId xmlns:a16="http://schemas.microsoft.com/office/drawing/2014/main" id="{1FE72FB8-6221-D612-0C88-E1618F6D6B40}"/>
-              </a:ext>
-            </a:extLst>
-          </p:cNvPr>
+          <p:cNvPr id="4" name="Footer Placeholder 3"/>
           <p:cNvSpPr>
             <a:spLocks noGrp="1"/>
           </p:cNvSpPr>
@@ -2033,13 +1782,7 @@
       </p:sp>
       <p:sp>
         <p:nvSpPr>
-          <p:cNvPr id="5" name="Slide Number Placeholder 4">
-            <a:extLst>
-              <a:ext uri="{FF2B5EF4-FFF2-40B4-BE49-F238E27FC236}">
-                <a16:creationId xmlns:a16="http://schemas.microsoft.com/office/drawing/2014/main" id="{4AA1796C-284D-FF65-B952-ACF6EC7E25E0}"/>
-              </a:ext>
-            </a:extLst>
-          </p:cNvPr>
+          <p:cNvPr id="5" name="Slide Number Placeholder 4"/>
           <p:cNvSpPr>
             <a:spLocks noGrp="1"/>
           </p:cNvSpPr>
@@ -2061,11 +1804,6 @@
         </p:txBody>
       </p:sp>
     </p:spTree>
-    <p:extLst>
-      <p:ext uri="{BB962C8B-B14F-4D97-AF65-F5344CB8AC3E}">
-        <p14:creationId xmlns:p14="http://schemas.microsoft.com/office/powerpoint/2010/main" val="334815162"/>
-      </p:ext>
-    </p:extLst>
   </p:cSld>
   <p:clrMapOvr>
     <a:masterClrMapping/>
@@ -2092,13 +1830,7 @@
       </p:grpSpPr>
       <p:sp>
         <p:nvSpPr>
-          <p:cNvPr id="2" name="Date Placeholder 1">
-            <a:extLst>
-              <a:ext uri="{FF2B5EF4-FFF2-40B4-BE49-F238E27FC236}">
-                <a16:creationId xmlns:a16="http://schemas.microsoft.com/office/drawing/2014/main" id="{BEB39B41-4A61-D873-DD8D-C2EB9A8EFC2E}"/>
-              </a:ext>
-            </a:extLst>
-          </p:cNvPr>
+          <p:cNvPr id="2" name="Date Placeholder 1"/>
           <p:cNvSpPr>
             <a:spLocks noGrp="1"/>
           </p:cNvSpPr>
@@ -2113,7 +1845,7 @@
           <a:p>
             <a:fld id="{D7066B59-D45A-48C0-A432-A6A8A92A9450}" type="datetimeFigureOut">
               <a:rPr lang="en-IN" smtClean="0"/>
-              <a:t>26-01-2024</a:t>
+              <a:t>27-01-2024</a:t>
             </a:fld>
             <a:endParaRPr lang="en-IN"/>
           </a:p>
@@ -2121,13 +1853,7 @@
       </p:sp>
       <p:sp>
         <p:nvSpPr>
-          <p:cNvPr id="3" name="Footer Placeholder 2">
-            <a:extLst>
-              <a:ext uri="{FF2B5EF4-FFF2-40B4-BE49-F238E27FC236}">
-                <a16:creationId xmlns:a16="http://schemas.microsoft.com/office/drawing/2014/main" id="{87B13165-F97D-7E84-A8D4-A19B05AAC002}"/>
-              </a:ext>
-            </a:extLst>
-          </p:cNvPr>
+          <p:cNvPr id="3" name="Footer Placeholder 2"/>
           <p:cNvSpPr>
             <a:spLocks noGrp="1"/>
           </p:cNvSpPr>
@@ -2146,13 +1872,7 @@
       </p:sp>
       <p:sp>
         <p:nvSpPr>
-          <p:cNvPr id="4" name="Slide Number Placeholder 3">
-            <a:extLst>
-              <a:ext uri="{FF2B5EF4-FFF2-40B4-BE49-F238E27FC236}">
-                <a16:creationId xmlns:a16="http://schemas.microsoft.com/office/drawing/2014/main" id="{789489E0-84C9-3060-E978-1DF7FAA3DD8F}"/>
-              </a:ext>
-            </a:extLst>
-          </p:cNvPr>
+          <p:cNvPr id="4" name="Slide Number Placeholder 3"/>
           <p:cNvSpPr>
             <a:spLocks noGrp="1"/>
           </p:cNvSpPr>
@@ -2174,11 +1894,6 @@
         </p:txBody>
       </p:sp>
     </p:spTree>
-    <p:extLst>
-      <p:ext uri="{BB962C8B-B14F-4D97-AF65-F5344CB8AC3E}">
-        <p14:creationId xmlns:p14="http://schemas.microsoft.com/office/powerpoint/2010/main" val="2148277593"/>
-      </p:ext>
-    </p:extLst>
   </p:cSld>
   <p:clrMapOvr>
     <a:masterClrMapping/>
@@ -2205,13 +1920,7 @@
       </p:grpSpPr>
       <p:sp>
         <p:nvSpPr>
-          <p:cNvPr id="2" name="Title 1">
-            <a:extLst>
-              <a:ext uri="{FF2B5EF4-FFF2-40B4-BE49-F238E27FC236}">
-                <a16:creationId xmlns:a16="http://schemas.microsoft.com/office/drawing/2014/main" id="{A4555E97-39BF-FEDA-02A1-5557F945A978}"/>
-              </a:ext>
-            </a:extLst>
-          </p:cNvPr>
+          <p:cNvPr id="2" name="Title 1"/>
           <p:cNvSpPr>
             <a:spLocks noGrp="1"/>
           </p:cNvSpPr>
@@ -2243,13 +1952,7 @@
       </p:sp>
       <p:sp>
         <p:nvSpPr>
-          <p:cNvPr id="3" name="Content Placeholder 2">
-            <a:extLst>
-              <a:ext uri="{FF2B5EF4-FFF2-40B4-BE49-F238E27FC236}">
-                <a16:creationId xmlns:a16="http://schemas.microsoft.com/office/drawing/2014/main" id="{E5813ED7-2D2A-D9AB-07F8-7049D96DA451}"/>
-              </a:ext>
-            </a:extLst>
-          </p:cNvPr>
+          <p:cNvPr id="3" name="Content Placeholder 2"/>
           <p:cNvSpPr>
             <a:spLocks noGrp="1"/>
           </p:cNvSpPr>
@@ -2334,13 +2037,7 @@
       </p:sp>
       <p:sp>
         <p:nvSpPr>
-          <p:cNvPr id="4" name="Text Placeholder 3">
-            <a:extLst>
-              <a:ext uri="{FF2B5EF4-FFF2-40B4-BE49-F238E27FC236}">
-                <a16:creationId xmlns:a16="http://schemas.microsoft.com/office/drawing/2014/main" id="{854F2A42-2B25-A220-582D-CD9541E3D5B7}"/>
-              </a:ext>
-            </a:extLst>
-          </p:cNvPr>
+          <p:cNvPr id="4" name="Text Placeholder 3"/>
           <p:cNvSpPr>
             <a:spLocks noGrp="1"/>
           </p:cNvSpPr>
@@ -2405,13 +2102,7 @@
       </p:sp>
       <p:sp>
         <p:nvSpPr>
-          <p:cNvPr id="5" name="Date Placeholder 4">
-            <a:extLst>
-              <a:ext uri="{FF2B5EF4-FFF2-40B4-BE49-F238E27FC236}">
-                <a16:creationId xmlns:a16="http://schemas.microsoft.com/office/drawing/2014/main" id="{F2FB574D-1536-69D4-324D-FEF95C3AA01F}"/>
-              </a:ext>
-            </a:extLst>
-          </p:cNvPr>
+          <p:cNvPr id="5" name="Date Placeholder 4"/>
           <p:cNvSpPr>
             <a:spLocks noGrp="1"/>
           </p:cNvSpPr>
@@ -2426,7 +2117,7 @@
           <a:p>
             <a:fld id="{D7066B59-D45A-48C0-A432-A6A8A92A9450}" type="datetimeFigureOut">
               <a:rPr lang="en-IN" smtClean="0"/>
-              <a:t>26-01-2024</a:t>
+              <a:t>27-01-2024</a:t>
             </a:fld>
             <a:endParaRPr lang="en-IN"/>
           </a:p>
@@ -2434,13 +2125,7 @@
       </p:sp>
       <p:sp>
         <p:nvSpPr>
-          <p:cNvPr id="6" name="Footer Placeholder 5">
-            <a:extLst>
-              <a:ext uri="{FF2B5EF4-FFF2-40B4-BE49-F238E27FC236}">
-                <a16:creationId xmlns:a16="http://schemas.microsoft.com/office/drawing/2014/main" id="{C0DAAACB-A96E-FC59-EDB5-5384897DE311}"/>
-              </a:ext>
-            </a:extLst>
-          </p:cNvPr>
+          <p:cNvPr id="6" name="Footer Placeholder 5"/>
           <p:cNvSpPr>
             <a:spLocks noGrp="1"/>
           </p:cNvSpPr>
@@ -2459,13 +2144,7 @@
       </p:sp>
       <p:sp>
         <p:nvSpPr>
-          <p:cNvPr id="7" name="Slide Number Placeholder 6">
-            <a:extLst>
-              <a:ext uri="{FF2B5EF4-FFF2-40B4-BE49-F238E27FC236}">
-                <a16:creationId xmlns:a16="http://schemas.microsoft.com/office/drawing/2014/main" id="{1D489BF1-6814-E52F-6E5B-B314F5F52175}"/>
-              </a:ext>
-            </a:extLst>
-          </p:cNvPr>
+          <p:cNvPr id="7" name="Slide Number Placeholder 6"/>
           <p:cNvSpPr>
             <a:spLocks noGrp="1"/>
           </p:cNvSpPr>
@@ -2487,11 +2166,6 @@
         </p:txBody>
       </p:sp>
     </p:spTree>
-    <p:extLst>
-      <p:ext uri="{BB962C8B-B14F-4D97-AF65-F5344CB8AC3E}">
-        <p14:creationId xmlns:p14="http://schemas.microsoft.com/office/powerpoint/2010/main" val="3996628158"/>
-      </p:ext>
-    </p:extLst>
   </p:cSld>
   <p:clrMapOvr>
     <a:masterClrMapping/>
@@ -2518,13 +2192,7 @@
       </p:grpSpPr>
       <p:sp>
         <p:nvSpPr>
-          <p:cNvPr id="2" name="Title 1">
-            <a:extLst>
-              <a:ext uri="{FF2B5EF4-FFF2-40B4-BE49-F238E27FC236}">
-                <a16:creationId xmlns:a16="http://schemas.microsoft.com/office/drawing/2014/main" id="{9AD5A9EC-3DE6-60AF-DC22-B6D35BBADEA4}"/>
-              </a:ext>
-            </a:extLst>
-          </p:cNvPr>
+          <p:cNvPr id="2" name="Title 1"/>
           <p:cNvSpPr>
             <a:spLocks noGrp="1"/>
           </p:cNvSpPr>
@@ -2556,13 +2224,7 @@
       </p:sp>
       <p:sp>
         <p:nvSpPr>
-          <p:cNvPr id="3" name="Picture Placeholder 2">
-            <a:extLst>
-              <a:ext uri="{FF2B5EF4-FFF2-40B4-BE49-F238E27FC236}">
-                <a16:creationId xmlns:a16="http://schemas.microsoft.com/office/drawing/2014/main" id="{675061FB-BD59-9B6C-895D-1DC4D0DB1D42}"/>
-              </a:ext>
-            </a:extLst>
-          </p:cNvPr>
+          <p:cNvPr id="3" name="Picture Placeholder 2"/>
           <p:cNvSpPr>
             <a:spLocks noGrp="1"/>
           </p:cNvSpPr>
@@ -2623,13 +2285,7 @@
       </p:sp>
       <p:sp>
         <p:nvSpPr>
-          <p:cNvPr id="4" name="Text Placeholder 3">
-            <a:extLst>
-              <a:ext uri="{FF2B5EF4-FFF2-40B4-BE49-F238E27FC236}">
-                <a16:creationId xmlns:a16="http://schemas.microsoft.com/office/drawing/2014/main" id="{0820AB00-ACC4-7835-3B72-5B251D502472}"/>
-              </a:ext>
-            </a:extLst>
-          </p:cNvPr>
+          <p:cNvPr id="4" name="Text Placeholder 3"/>
           <p:cNvSpPr>
             <a:spLocks noGrp="1"/>
           </p:cNvSpPr>
@@ -2694,13 +2350,7 @@
       </p:sp>
       <p:sp>
         <p:nvSpPr>
-          <p:cNvPr id="5" name="Date Placeholder 4">
-            <a:extLst>
-              <a:ext uri="{FF2B5EF4-FFF2-40B4-BE49-F238E27FC236}">
-                <a16:creationId xmlns:a16="http://schemas.microsoft.com/office/drawing/2014/main" id="{5AF22683-FAAE-5D78-105C-A4B0115CC815}"/>
-              </a:ext>
-            </a:extLst>
-          </p:cNvPr>
+          <p:cNvPr id="5" name="Date Placeholder 4"/>
           <p:cNvSpPr>
             <a:spLocks noGrp="1"/>
           </p:cNvSpPr>
@@ -2715,7 +2365,7 @@
           <a:p>
             <a:fld id="{D7066B59-D45A-48C0-A432-A6A8A92A9450}" type="datetimeFigureOut">
               <a:rPr lang="en-IN" smtClean="0"/>
-              <a:t>26-01-2024</a:t>
+              <a:t>27-01-2024</a:t>
             </a:fld>
             <a:endParaRPr lang="en-IN"/>
           </a:p>
@@ -2723,13 +2373,7 @@
       </p:sp>
       <p:sp>
         <p:nvSpPr>
-          <p:cNvPr id="6" name="Footer Placeholder 5">
-            <a:extLst>
-              <a:ext uri="{FF2B5EF4-FFF2-40B4-BE49-F238E27FC236}">
-                <a16:creationId xmlns:a16="http://schemas.microsoft.com/office/drawing/2014/main" id="{502DBB1B-CAD2-AA39-9149-B63F227212D4}"/>
-              </a:ext>
-            </a:extLst>
-          </p:cNvPr>
+          <p:cNvPr id="6" name="Footer Placeholder 5"/>
           <p:cNvSpPr>
             <a:spLocks noGrp="1"/>
           </p:cNvSpPr>
@@ -2748,13 +2392,7 @@
       </p:sp>
       <p:sp>
         <p:nvSpPr>
-          <p:cNvPr id="7" name="Slide Number Placeholder 6">
-            <a:extLst>
-              <a:ext uri="{FF2B5EF4-FFF2-40B4-BE49-F238E27FC236}">
-                <a16:creationId xmlns:a16="http://schemas.microsoft.com/office/drawing/2014/main" id="{C6187A68-BBF5-24EF-C5F1-E4F5D86A92DC}"/>
-              </a:ext>
-            </a:extLst>
-          </p:cNvPr>
+          <p:cNvPr id="7" name="Slide Number Placeholder 6"/>
           <p:cNvSpPr>
             <a:spLocks noGrp="1"/>
           </p:cNvSpPr>
@@ -2776,11 +2414,6 @@
         </p:txBody>
       </p:sp>
     </p:spTree>
-    <p:extLst>
-      <p:ext uri="{BB962C8B-B14F-4D97-AF65-F5344CB8AC3E}">
-        <p14:creationId xmlns:p14="http://schemas.microsoft.com/office/powerpoint/2010/main" val="3803360097"/>
-      </p:ext>
-    </p:extLst>
   </p:cSld>
   <p:clrMapOvr>
     <a:masterClrMapping/>
@@ -2812,13 +2445,7 @@
       </p:grpSpPr>
       <p:sp>
         <p:nvSpPr>
-          <p:cNvPr id="2" name="Title Placeholder 1">
-            <a:extLst>
-              <a:ext uri="{FF2B5EF4-FFF2-40B4-BE49-F238E27FC236}">
-                <a16:creationId xmlns:a16="http://schemas.microsoft.com/office/drawing/2014/main" id="{BED30770-C38D-24E9-7FEF-AEEF6C7EFAA0}"/>
-              </a:ext>
-            </a:extLst>
-          </p:cNvPr>
+          <p:cNvPr id="2" name="Title Placeholder 1"/>
           <p:cNvSpPr>
             <a:spLocks noGrp="1"/>
           </p:cNvSpPr>
@@ -2851,13 +2478,7 @@
       </p:sp>
       <p:sp>
         <p:nvSpPr>
-          <p:cNvPr id="3" name="Text Placeholder 2">
-            <a:extLst>
-              <a:ext uri="{FF2B5EF4-FFF2-40B4-BE49-F238E27FC236}">
-                <a16:creationId xmlns:a16="http://schemas.microsoft.com/office/drawing/2014/main" id="{ED651DBD-A7F3-9DA8-BE88-3A3F2FC07E33}"/>
-              </a:ext>
-            </a:extLst>
-          </p:cNvPr>
+          <p:cNvPr id="3" name="Text Placeholder 2"/>
           <p:cNvSpPr>
             <a:spLocks noGrp="1"/>
           </p:cNvSpPr>
@@ -2919,13 +2540,7 @@
       </p:sp>
       <p:sp>
         <p:nvSpPr>
-          <p:cNvPr id="4" name="Date Placeholder 3">
-            <a:extLst>
-              <a:ext uri="{FF2B5EF4-FFF2-40B4-BE49-F238E27FC236}">
-                <a16:creationId xmlns:a16="http://schemas.microsoft.com/office/drawing/2014/main" id="{34F09E8B-5DC5-BEF7-52DF-C39D8E709609}"/>
-              </a:ext>
-            </a:extLst>
-          </p:cNvPr>
+          <p:cNvPr id="4" name="Date Placeholder 3"/>
           <p:cNvSpPr>
             <a:spLocks noGrp="1"/>
           </p:cNvSpPr>
@@ -2958,7 +2573,7 @@
           <a:p>
             <a:fld id="{D7066B59-D45A-48C0-A432-A6A8A92A9450}" type="datetimeFigureOut">
               <a:rPr lang="en-IN" smtClean="0"/>
-              <a:t>26-01-2024</a:t>
+              <a:t>27-01-2024</a:t>
             </a:fld>
             <a:endParaRPr lang="en-IN"/>
           </a:p>
@@ -2966,13 +2581,7 @@
       </p:sp>
       <p:sp>
         <p:nvSpPr>
-          <p:cNvPr id="5" name="Footer Placeholder 4">
-            <a:extLst>
-              <a:ext uri="{FF2B5EF4-FFF2-40B4-BE49-F238E27FC236}">
-                <a16:creationId xmlns:a16="http://schemas.microsoft.com/office/drawing/2014/main" id="{366E7A88-B6D8-91FA-CEC4-04055A45F53A}"/>
-              </a:ext>
-            </a:extLst>
-          </p:cNvPr>
+          <p:cNvPr id="5" name="Footer Placeholder 4"/>
           <p:cNvSpPr>
             <a:spLocks noGrp="1"/>
           </p:cNvSpPr>
@@ -3009,13 +2618,7 @@
       </p:sp>
       <p:sp>
         <p:nvSpPr>
-          <p:cNvPr id="6" name="Slide Number Placeholder 5">
-            <a:extLst>
-              <a:ext uri="{FF2B5EF4-FFF2-40B4-BE49-F238E27FC236}">
-                <a16:creationId xmlns:a16="http://schemas.microsoft.com/office/drawing/2014/main" id="{63D6EF66-96B6-9EA5-19E5-564C1B978156}"/>
-              </a:ext>
-            </a:extLst>
-          </p:cNvPr>
+          <p:cNvPr id="6" name="Slide Number Placeholder 5"/>
           <p:cNvSpPr>
             <a:spLocks noGrp="1"/>
           </p:cNvSpPr>
@@ -3055,11 +2658,6 @@
         </p:txBody>
       </p:sp>
     </p:spTree>
-    <p:extLst>
-      <p:ext uri="{BB962C8B-B14F-4D97-AF65-F5344CB8AC3E}">
-        <p14:creationId xmlns:p14="http://schemas.microsoft.com/office/powerpoint/2010/main" val="2675616692"/>
-      </p:ext>
-    </p:extLst>
   </p:cSld>
   <p:clrMap bg1="lt1" tx1="dk1" bg2="lt2" tx2="dk2" accent1="accent1" accent2="accent2" accent3="accent3" accent4="accent4" accent5="accent5" accent6="accent6" hlink="hlink" folHlink="folHlink"/>
   <p:sldLayoutIdLst>
@@ -3377,13 +2975,7 @@
       </p:grpSpPr>
       <p:sp>
         <p:nvSpPr>
-          <p:cNvPr id="2" name="Title 1">
-            <a:extLst>
-              <a:ext uri="{FF2B5EF4-FFF2-40B4-BE49-F238E27FC236}">
-                <a16:creationId xmlns:a16="http://schemas.microsoft.com/office/drawing/2014/main" id="{93EF7346-0B61-C7F2-06ED-C9266B5FDB9D}"/>
-              </a:ext>
-            </a:extLst>
-          </p:cNvPr>
+          <p:cNvPr id="2" name="Title 1"/>
           <p:cNvSpPr>
             <a:spLocks noGrp="1"/>
           </p:cNvSpPr>
@@ -3405,13 +2997,7 @@
       </p:sp>
       <p:sp>
         <p:nvSpPr>
-          <p:cNvPr id="5" name="Subtitle 4">
-            <a:extLst>
-              <a:ext uri="{FF2B5EF4-FFF2-40B4-BE49-F238E27FC236}">
-                <a16:creationId xmlns:a16="http://schemas.microsoft.com/office/drawing/2014/main" id="{E1AC1321-E160-0FED-E72A-8411FEFB5766}"/>
-              </a:ext>
-            </a:extLst>
-          </p:cNvPr>
+          <p:cNvPr id="5" name="Subtitle 4"/>
           <p:cNvSpPr>
             <a:spLocks noGrp="1"/>
           </p:cNvSpPr>
@@ -3429,11 +3015,6 @@
         </p:txBody>
       </p:sp>
     </p:spTree>
-    <p:extLst>
-      <p:ext uri="{BB962C8B-B14F-4D97-AF65-F5344CB8AC3E}">
-        <p14:creationId xmlns:p14="http://schemas.microsoft.com/office/powerpoint/2010/main" val="563668193"/>
-      </p:ext>
-    </p:extLst>
   </p:cSld>
   <p:clrMapOvr>
     <a:masterClrMapping/>
@@ -3460,13 +3041,7 @@
       </p:grpSpPr>
       <p:sp>
         <p:nvSpPr>
-          <p:cNvPr id="2" name="Title 1">
-            <a:extLst>
-              <a:ext uri="{FF2B5EF4-FFF2-40B4-BE49-F238E27FC236}">
-                <a16:creationId xmlns:a16="http://schemas.microsoft.com/office/drawing/2014/main" id="{A63F2A97-2D70-DB14-5A27-9F73622265E5}"/>
-              </a:ext>
-            </a:extLst>
-          </p:cNvPr>
+          <p:cNvPr id="2" name="Title 1"/>
           <p:cNvSpPr>
             <a:spLocks noGrp="1"/>
           </p:cNvSpPr>
@@ -3488,13 +3063,7 @@
       </p:sp>
       <p:pic>
         <p:nvPicPr>
-          <p:cNvPr id="8" name="Content Placeholder 7">
-            <a:extLst>
-              <a:ext uri="{FF2B5EF4-FFF2-40B4-BE49-F238E27FC236}">
-                <a16:creationId xmlns:a16="http://schemas.microsoft.com/office/drawing/2014/main" id="{5388CBD3-7923-07F6-4FEB-BDFCCEE31385}"/>
-              </a:ext>
-            </a:extLst>
-          </p:cNvPr>
+          <p:cNvPr id="8" name="Content Placeholder 7"/>
           <p:cNvPicPr>
             <a:picLocks noGrp="1" noChangeAspect="1"/>
           </p:cNvPicPr>
@@ -3517,13 +3086,7 @@
       </p:pic>
       <p:sp>
         <p:nvSpPr>
-          <p:cNvPr id="4" name="Text Placeholder 3">
-            <a:extLst>
-              <a:ext uri="{FF2B5EF4-FFF2-40B4-BE49-F238E27FC236}">
-                <a16:creationId xmlns:a16="http://schemas.microsoft.com/office/drawing/2014/main" id="{39C587C0-A0D5-1528-A65F-536AE7759DC6}"/>
-              </a:ext>
-            </a:extLst>
-          </p:cNvPr>
+          <p:cNvPr id="4" name="Text Placeholder 3"/>
           <p:cNvSpPr>
             <a:spLocks noGrp="1"/>
           </p:cNvSpPr>
@@ -3562,11 +3125,6 @@
         </p:txBody>
       </p:sp>
     </p:spTree>
-    <p:extLst>
-      <p:ext uri="{BB962C8B-B14F-4D97-AF65-F5344CB8AC3E}">
-        <p14:creationId xmlns:p14="http://schemas.microsoft.com/office/powerpoint/2010/main" val="1218125087"/>
-      </p:ext>
-    </p:extLst>
   </p:cSld>
   <p:clrMapOvr>
     <a:masterClrMapping/>
@@ -3593,13 +3151,7 @@
       </p:grpSpPr>
       <p:sp>
         <p:nvSpPr>
-          <p:cNvPr id="2" name="Title 1">
-            <a:extLst>
-              <a:ext uri="{FF2B5EF4-FFF2-40B4-BE49-F238E27FC236}">
-                <a16:creationId xmlns:a16="http://schemas.microsoft.com/office/drawing/2014/main" id="{B3280E23-3E99-D64A-F416-CB195D7EEE41}"/>
-              </a:ext>
-            </a:extLst>
-          </p:cNvPr>
+          <p:cNvPr id="2" name="Title 1"/>
           <p:cNvSpPr>
             <a:spLocks noGrp="1"/>
           </p:cNvSpPr>
@@ -3621,13 +3173,7 @@
       </p:sp>
       <p:sp>
         <p:nvSpPr>
-          <p:cNvPr id="4" name="Text Placeholder 3">
-            <a:extLst>
-              <a:ext uri="{FF2B5EF4-FFF2-40B4-BE49-F238E27FC236}">
-                <a16:creationId xmlns:a16="http://schemas.microsoft.com/office/drawing/2014/main" id="{DC9AE130-2506-5097-ABE3-27B6DCDFB6EF}"/>
-              </a:ext>
-            </a:extLst>
-          </p:cNvPr>
+          <p:cNvPr id="4" name="Text Placeholder 3"/>
           <p:cNvSpPr>
             <a:spLocks noGrp="1"/>
           </p:cNvSpPr>
@@ -3670,13 +3216,7 @@
       </p:sp>
       <p:pic>
         <p:nvPicPr>
-          <p:cNvPr id="12" name="Content Placeholder 5">
-            <a:extLst>
-              <a:ext uri="{FF2B5EF4-FFF2-40B4-BE49-F238E27FC236}">
-                <a16:creationId xmlns:a16="http://schemas.microsoft.com/office/drawing/2014/main" id="{C7685344-60E3-5204-134F-1F9FA6995065}"/>
-              </a:ext>
-            </a:extLst>
-          </p:cNvPr>
+          <p:cNvPr id="12" name="Content Placeholder 5"/>
           <p:cNvPicPr>
             <a:picLocks noGrp="1" noChangeAspect="1"/>
           </p:cNvPicPr>
@@ -3698,11 +3238,6 @@
         </p:spPr>
       </p:pic>
     </p:spTree>
-    <p:extLst>
-      <p:ext uri="{BB962C8B-B14F-4D97-AF65-F5344CB8AC3E}">
-        <p14:creationId xmlns:p14="http://schemas.microsoft.com/office/powerpoint/2010/main" val="1476216126"/>
-      </p:ext>
-    </p:extLst>
   </p:cSld>
   <p:clrMapOvr>
     <a:masterClrMapping/>
@@ -3729,13 +3264,7 @@
       </p:grpSpPr>
       <p:sp>
         <p:nvSpPr>
-          <p:cNvPr id="2" name="Title 1">
-            <a:extLst>
-              <a:ext uri="{FF2B5EF4-FFF2-40B4-BE49-F238E27FC236}">
-                <a16:creationId xmlns:a16="http://schemas.microsoft.com/office/drawing/2014/main" id="{8CA6E41C-D516-BDBE-5675-95B107711C80}"/>
-              </a:ext>
-            </a:extLst>
-          </p:cNvPr>
+          <p:cNvPr id="2" name="Title 1"/>
           <p:cNvSpPr>
             <a:spLocks noGrp="1"/>
           </p:cNvSpPr>
@@ -3757,13 +3286,7 @@
       </p:sp>
       <p:pic>
         <p:nvPicPr>
-          <p:cNvPr id="6" name="Content Placeholder 5">
-            <a:extLst>
-              <a:ext uri="{FF2B5EF4-FFF2-40B4-BE49-F238E27FC236}">
-                <a16:creationId xmlns:a16="http://schemas.microsoft.com/office/drawing/2014/main" id="{D2CE466B-63C9-16AE-C8FD-F6E245199BB8}"/>
-              </a:ext>
-            </a:extLst>
-          </p:cNvPr>
+          <p:cNvPr id="6" name="Content Placeholder 5"/>
           <p:cNvPicPr>
             <a:picLocks noGrp="1" noChangeAspect="1"/>
           </p:cNvPicPr>
@@ -3786,13 +3309,7 @@
       </p:pic>
       <p:sp>
         <p:nvSpPr>
-          <p:cNvPr id="4" name="Text Placeholder 3">
-            <a:extLst>
-              <a:ext uri="{FF2B5EF4-FFF2-40B4-BE49-F238E27FC236}">
-                <a16:creationId xmlns:a16="http://schemas.microsoft.com/office/drawing/2014/main" id="{18054D06-F6D5-C1B1-0BE6-7FB087995A41}"/>
-              </a:ext>
-            </a:extLst>
-          </p:cNvPr>
+          <p:cNvPr id="4" name="Text Placeholder 3"/>
           <p:cNvSpPr>
             <a:spLocks noGrp="1"/>
           </p:cNvSpPr>
@@ -3822,11 +3339,314 @@
         </p:txBody>
       </p:sp>
     </p:spTree>
-    <p:extLst>
-      <p:ext uri="{BB962C8B-B14F-4D97-AF65-F5344CB8AC3E}">
-        <p14:creationId xmlns:p14="http://schemas.microsoft.com/office/powerpoint/2010/main" val="3845926511"/>
-      </p:ext>
-    </p:extLst>
+  </p:cSld>
+  <p:clrMapOvr>
+    <a:masterClrMapping/>
+  </p:clrMapOvr>
+</p:sld>
+</file>
+
+<file path=ppt/slides/slide13.xml><?xml version="1.0" encoding="utf-8"?>
+<p:sld xmlns:a="http://schemas.openxmlformats.org/drawingml/2006/main" xmlns:r="http://schemas.openxmlformats.org/officeDocument/2006/relationships" xmlns:p="http://schemas.openxmlformats.org/presentationml/2006/main">
+  <p:cSld>
+    <p:spTree>
+      <p:nvGrpSpPr>
+        <p:cNvPr id="1" name=""/>
+        <p:cNvGrpSpPr/>
+        <p:nvPr/>
+      </p:nvGrpSpPr>
+      <p:grpSpPr>
+        <a:xfrm>
+          <a:off x="0" y="0"/>
+          <a:ext cx="0" cy="0"/>
+          <a:chOff x="0" y="0"/>
+          <a:chExt cx="0" cy="0"/>
+        </a:xfrm>
+      </p:grpSpPr>
+      <p:sp>
+        <p:nvSpPr>
+          <p:cNvPr id="5" name="Title 4"/>
+          <p:cNvSpPr>
+            <a:spLocks noGrp="1"/>
+          </p:cNvSpPr>
+          <p:nvPr>
+            <p:ph type="title"/>
+          </p:nvPr>
+        </p:nvSpPr>
+        <p:spPr/>
+        <p:txBody>
+          <a:bodyPr/>
+          <a:lstStyle/>
+          <a:p>
+            <a:r>
+              <a:rPr lang="en-US"/>
+              <a:t>Questions</a:t>
+            </a:r>
+          </a:p>
+        </p:txBody>
+      </p:sp>
+      <p:sp>
+        <p:nvSpPr>
+          <p:cNvPr id="6" name="Content Placeholder 5"/>
+          <p:cNvSpPr>
+            <a:spLocks noGrp="1"/>
+          </p:cNvSpPr>
+          <p:nvPr>
+            <p:ph idx="1"/>
+          </p:nvPr>
+        </p:nvSpPr>
+        <p:spPr/>
+        <p:txBody>
+          <a:bodyPr>
+            <a:normAutofit/>
+          </a:bodyPr>
+          <a:lstStyle/>
+          <a:p>
+            <a:pPr marL="0" indent="0">
+              <a:buNone/>
+            </a:pPr>
+            <a:r>
+              <a:rPr lang="en-US" dirty="0">
+                <a:sym typeface="+mn-ea"/>
+              </a:rPr>
+              <a:t>1-How do we obtain the </a:t>
+            </a:r>
+            <a:r>
+              <a:rPr lang="en-US" dirty="0" err="1">
+                <a:sym typeface="+mn-ea"/>
+              </a:rPr>
+              <a:t>marketcap</a:t>
+            </a:r>
+            <a:r>
+              <a:rPr lang="en-US" dirty="0">
+                <a:sym typeface="+mn-ea"/>
+              </a:rPr>
+              <a:t> column values?</a:t>
+            </a:r>
+            <a:endParaRPr lang="en-US" dirty="0"/>
+          </a:p>
+          <a:p>
+            <a:pPr marL="0" indent="0">
+              <a:buNone/>
+            </a:pPr>
+            <a:r>
+              <a:rPr lang="en-US" dirty="0">
+                <a:sym typeface="+mn-ea"/>
+              </a:rPr>
+              <a:t>2-Are we going to predict the open/close/ high -low price?</a:t>
+            </a:r>
+            <a:endParaRPr lang="en-US" dirty="0"/>
+          </a:p>
+          <a:p>
+            <a:pPr marL="0" indent="0">
+              <a:buNone/>
+            </a:pPr>
+            <a:r>
+              <a:rPr lang="en-US" dirty="0">
+                <a:sym typeface="+mn-ea"/>
+              </a:rPr>
+              <a:t>3-How many values do we have for each crypto?</a:t>
+            </a:r>
+            <a:endParaRPr lang="en-US" dirty="0"/>
+          </a:p>
+          <a:p>
+            <a:pPr marL="0" indent="0">
+              <a:buNone/>
+            </a:pPr>
+            <a:r>
+              <a:rPr lang="en-US" dirty="0">
+                <a:sym typeface="+mn-ea"/>
+              </a:rPr>
+              <a:t>4-Which crypto do we have on the database?</a:t>
+            </a:r>
+            <a:endParaRPr lang="en-US" dirty="0"/>
+          </a:p>
+          <a:p>
+            <a:pPr marL="0" indent="0">
+              <a:buNone/>
+            </a:pPr>
+            <a:r>
+              <a:rPr lang="en-US" dirty="0">
+                <a:sym typeface="+mn-ea"/>
+              </a:rPr>
+              <a:t>5-Whats our time frame of data (start-end)?</a:t>
+            </a:r>
+            <a:endParaRPr lang="en-US" dirty="0"/>
+          </a:p>
+          <a:p>
+            <a:pPr marL="0" indent="0">
+              <a:buNone/>
+            </a:pPr>
+            <a:r>
+              <a:rPr lang="en-US" dirty="0">
+                <a:sym typeface="+mn-ea"/>
+              </a:rPr>
+              <a:t>6-Is it possible to predict crypto price? </a:t>
+            </a:r>
+            <a:endParaRPr lang="en-US" dirty="0"/>
+          </a:p>
+          <a:p>
+            <a:pPr marL="0" indent="0">
+              <a:buNone/>
+            </a:pPr>
+            <a:r>
+              <a:rPr lang="en-US" dirty="0">
+                <a:sym typeface="+mn-ea"/>
+              </a:rPr>
+              <a:t>7-[List any challenges encountered during data exploration and how they were addressed.]</a:t>
+            </a:r>
+            <a:endParaRPr lang="en-US" dirty="0"/>
+          </a:p>
+          <a:p>
+            <a:pPr marL="0" indent="0">
+              <a:buNone/>
+            </a:pPr>
+            <a:endParaRPr lang="en-US" dirty="0"/>
+          </a:p>
+        </p:txBody>
+      </p:sp>
+    </p:spTree>
+  </p:cSld>
+  <p:clrMapOvr>
+    <a:masterClrMapping/>
+  </p:clrMapOvr>
+</p:sld>
+</file>
+
+<file path=ppt/slides/slide14.xml><?xml version="1.0" encoding="utf-8"?>
+<p:sld xmlns:a="http://schemas.openxmlformats.org/drawingml/2006/main" xmlns:r="http://schemas.openxmlformats.org/officeDocument/2006/relationships" xmlns:p="http://schemas.openxmlformats.org/presentationml/2006/main">
+  <p:cSld>
+    <p:spTree>
+      <p:nvGrpSpPr>
+        <p:cNvPr id="1" name=""/>
+        <p:cNvGrpSpPr/>
+        <p:nvPr/>
+      </p:nvGrpSpPr>
+      <p:grpSpPr>
+        <a:xfrm>
+          <a:off x="0" y="0"/>
+          <a:ext cx="0" cy="0"/>
+          <a:chOff x="0" y="0"/>
+          <a:chExt cx="0" cy="0"/>
+        </a:xfrm>
+      </p:grpSpPr>
+      <p:sp>
+        <p:nvSpPr>
+          <p:cNvPr id="2" name="Title 1"/>
+          <p:cNvSpPr>
+            <a:spLocks noGrp="1"/>
+          </p:cNvSpPr>
+          <p:nvPr>
+            <p:ph type="title"/>
+          </p:nvPr>
+        </p:nvSpPr>
+        <p:spPr/>
+        <p:txBody>
+          <a:bodyPr/>
+          <a:lstStyle/>
+          <a:p>
+            <a:r>
+              <a:rPr lang="en-US" dirty="0"/>
+              <a:t>Answers</a:t>
+            </a:r>
+          </a:p>
+        </p:txBody>
+      </p:sp>
+      <p:sp>
+        <p:nvSpPr>
+          <p:cNvPr id="3" name="Content Placeholder 2"/>
+          <p:cNvSpPr>
+            <a:spLocks noGrp="1"/>
+          </p:cNvSpPr>
+          <p:nvPr>
+            <p:ph idx="1"/>
+          </p:nvPr>
+        </p:nvSpPr>
+        <p:spPr/>
+        <p:txBody>
+          <a:bodyPr>
+            <a:normAutofit/>
+          </a:bodyPr>
+          <a:lstStyle/>
+          <a:p>
+            <a:pPr marL="0" indent="0">
+              <a:buNone/>
+            </a:pPr>
+            <a:r>
+              <a:rPr lang="en-US" sz="2000" dirty="0"/>
+              <a:t>1.</a:t>
+            </a:r>
+          </a:p>
+          <a:p>
+            <a:pPr marL="0" indent="0">
+              <a:buNone/>
+            </a:pPr>
+            <a:r>
+              <a:rPr lang="en-US" sz="2000" dirty="0"/>
+              <a:t>2. Yes</a:t>
+            </a:r>
+          </a:p>
+          <a:p>
+            <a:pPr marL="0" indent="0">
+              <a:buNone/>
+            </a:pPr>
+            <a:r>
+              <a:rPr lang="en-US" sz="2000" dirty="0"/>
+              <a:t>3. There are different number of records of for each </a:t>
+            </a:r>
+            <a:r>
+              <a:rPr lang="en-US" sz="2000" dirty="0" err="1"/>
+              <a:t>crypto_name</a:t>
+            </a:r>
+            <a:r>
+              <a:rPr lang="en-US" sz="2000" dirty="0"/>
+              <a:t> example :- bitcoin :- 3248, Dogecoin :- 3024</a:t>
+            </a:r>
+          </a:p>
+          <a:p>
+            <a:pPr marL="0" indent="0">
+              <a:buNone/>
+            </a:pPr>
+            <a:r>
+              <a:rPr lang="en-US" sz="2000" dirty="0"/>
+              <a:t>4. There are 56 </a:t>
+            </a:r>
+            <a:r>
+              <a:rPr lang="en-US" sz="2000" dirty="0" err="1"/>
+              <a:t>crypto_names</a:t>
+            </a:r>
+            <a:r>
+              <a:rPr lang="en-US" sz="2000" dirty="0"/>
+              <a:t> in the given dataset</a:t>
+            </a:r>
+          </a:p>
+          <a:p>
+            <a:pPr marL="0" indent="0">
+              <a:buNone/>
+            </a:pPr>
+            <a:r>
+              <a:rPr lang="en-US" sz="2000" dirty="0"/>
+              <a:t>5. Start and end data was different for each crypto example :- Bitcoin  2013-05-05  2022-10-23, Dogecoin  2013-12-15  2022-10-23</a:t>
+            </a:r>
+          </a:p>
+          <a:p>
+            <a:pPr marL="0" indent="0">
+              <a:buNone/>
+            </a:pPr>
+            <a:r>
+              <a:rPr lang="en-US" sz="2000" dirty="0"/>
+              <a:t>6. yes</a:t>
+            </a:r>
+          </a:p>
+          <a:p>
+            <a:pPr marL="0" indent="0">
+              <a:buNone/>
+            </a:pPr>
+            <a:endParaRPr lang="en-US" sz="2000" dirty="0"/>
+          </a:p>
+        </p:txBody>
+      </p:sp>
+    </p:spTree>
   </p:cSld>
   <p:clrMapOvr>
     <a:masterClrMapping/>
@@ -3853,13 +3673,7 @@
       </p:grpSpPr>
       <p:sp>
         <p:nvSpPr>
-          <p:cNvPr id="5" name="Title 4">
-            <a:extLst>
-              <a:ext uri="{FF2B5EF4-FFF2-40B4-BE49-F238E27FC236}">
-                <a16:creationId xmlns:a16="http://schemas.microsoft.com/office/drawing/2014/main" id="{03CDF3EF-3228-44ED-7690-04891692AB0F}"/>
-              </a:ext>
-            </a:extLst>
-          </p:cNvPr>
+          <p:cNvPr id="5" name="Title 4"/>
           <p:cNvSpPr>
             <a:spLocks noGrp="1"/>
           </p:cNvSpPr>
@@ -3891,13 +3705,7 @@
       </p:sp>
       <p:pic>
         <p:nvPicPr>
-          <p:cNvPr id="7" name="Content Placeholder 6">
-            <a:extLst>
-              <a:ext uri="{FF2B5EF4-FFF2-40B4-BE49-F238E27FC236}">
-                <a16:creationId xmlns:a16="http://schemas.microsoft.com/office/drawing/2014/main" id="{4B35E4FD-5C33-5733-8316-00B725F80EA4}"/>
-              </a:ext>
-            </a:extLst>
-          </p:cNvPr>
+          <p:cNvPr id="7" name="Content Placeholder 6"/>
           <p:cNvPicPr>
             <a:picLocks noGrp="1" noChangeAspect="1"/>
           </p:cNvPicPr>
@@ -3922,11 +3730,6 @@
         </p:spPr>
       </p:pic>
     </p:spTree>
-    <p:extLst>
-      <p:ext uri="{BB962C8B-B14F-4D97-AF65-F5344CB8AC3E}">
-        <p14:creationId xmlns:p14="http://schemas.microsoft.com/office/powerpoint/2010/main" val="2765318766"/>
-      </p:ext>
-    </p:extLst>
   </p:cSld>
   <p:clrMapOvr>
     <a:masterClrMapping/>
@@ -3953,13 +3756,7 @@
       </p:grpSpPr>
       <p:sp>
         <p:nvSpPr>
-          <p:cNvPr id="2" name="Title 1">
-            <a:extLst>
-              <a:ext uri="{FF2B5EF4-FFF2-40B4-BE49-F238E27FC236}">
-                <a16:creationId xmlns:a16="http://schemas.microsoft.com/office/drawing/2014/main" id="{84B24479-9D0F-E4A4-6173-E876F4C76979}"/>
-              </a:ext>
-            </a:extLst>
-          </p:cNvPr>
+          <p:cNvPr id="2" name="Title 1"/>
           <p:cNvSpPr>
             <a:spLocks noGrp="1"/>
           </p:cNvSpPr>
@@ -3991,13 +3788,7 @@
       </p:sp>
       <p:pic>
         <p:nvPicPr>
-          <p:cNvPr id="4" name="Content Placeholder 3">
-            <a:extLst>
-              <a:ext uri="{FF2B5EF4-FFF2-40B4-BE49-F238E27FC236}">
-                <a16:creationId xmlns:a16="http://schemas.microsoft.com/office/drawing/2014/main" id="{D315411F-E9B0-7155-7BAD-944A3FA3BAC2}"/>
-              </a:ext>
-            </a:extLst>
-          </p:cNvPr>
+          <p:cNvPr id="4" name="Content Placeholder 3"/>
           <p:cNvPicPr>
             <a:picLocks noGrp="1" noChangeAspect="1"/>
           </p:cNvPicPr>
@@ -4022,11 +3813,6 @@
         </p:spPr>
       </p:pic>
     </p:spTree>
-    <p:extLst>
-      <p:ext uri="{BB962C8B-B14F-4D97-AF65-F5344CB8AC3E}">
-        <p14:creationId xmlns:p14="http://schemas.microsoft.com/office/powerpoint/2010/main" val="2838199132"/>
-      </p:ext>
-    </p:extLst>
   </p:cSld>
   <p:clrMapOvr>
     <a:masterClrMapping/>
@@ -4053,13 +3839,7 @@
       </p:grpSpPr>
       <p:sp>
         <p:nvSpPr>
-          <p:cNvPr id="7" name="Title 6">
-            <a:extLst>
-              <a:ext uri="{FF2B5EF4-FFF2-40B4-BE49-F238E27FC236}">
-                <a16:creationId xmlns:a16="http://schemas.microsoft.com/office/drawing/2014/main" id="{6BF3236C-10A1-FD82-48B8-D1F3BF2E5779}"/>
-              </a:ext>
-            </a:extLst>
-          </p:cNvPr>
+          <p:cNvPr id="7" name="Title 6"/>
           <p:cNvSpPr>
             <a:spLocks noGrp="1"/>
           </p:cNvSpPr>
@@ -4086,13 +3866,7 @@
       </p:sp>
       <p:sp>
         <p:nvSpPr>
-          <p:cNvPr id="15" name="Picture Placeholder 14">
-            <a:extLst>
-              <a:ext uri="{FF2B5EF4-FFF2-40B4-BE49-F238E27FC236}">
-                <a16:creationId xmlns:a16="http://schemas.microsoft.com/office/drawing/2014/main" id="{B3A499B1-0FBA-326A-5A02-FE3C5A4F56C0}"/>
-              </a:ext>
-            </a:extLst>
-          </p:cNvPr>
+          <p:cNvPr id="15" name="Picture Placeholder 14"/>
           <p:cNvSpPr>
             <a:spLocks noGrp="1"/>
           </p:cNvSpPr>
@@ -4104,13 +3878,7 @@
       </p:sp>
       <p:sp>
         <p:nvSpPr>
-          <p:cNvPr id="9" name="Text Placeholder 8">
-            <a:extLst>
-              <a:ext uri="{FF2B5EF4-FFF2-40B4-BE49-F238E27FC236}">
-                <a16:creationId xmlns:a16="http://schemas.microsoft.com/office/drawing/2014/main" id="{4A8D9AAE-7C6C-65CB-C7C8-7F553CBB505B}"/>
-              </a:ext>
-            </a:extLst>
-          </p:cNvPr>
+          <p:cNvPr id="9" name="Text Placeholder 8"/>
           <p:cNvSpPr>
             <a:spLocks noGrp="1"/>
           </p:cNvSpPr>
@@ -4163,13 +3931,7 @@
       </p:sp>
       <p:pic>
         <p:nvPicPr>
-          <p:cNvPr id="21" name="Picture 20">
-            <a:extLst>
-              <a:ext uri="{FF2B5EF4-FFF2-40B4-BE49-F238E27FC236}">
-                <a16:creationId xmlns:a16="http://schemas.microsoft.com/office/drawing/2014/main" id="{176F903D-73A6-166C-9BB0-11ACF00E31E3}"/>
-              </a:ext>
-            </a:extLst>
-          </p:cNvPr>
+          <p:cNvPr id="21" name="Picture 20"/>
           <p:cNvPicPr>
             <a:picLocks noChangeAspect="1"/>
           </p:cNvPicPr>
@@ -4192,11 +3954,6 @@
         </p:spPr>
       </p:pic>
     </p:spTree>
-    <p:extLst>
-      <p:ext uri="{BB962C8B-B14F-4D97-AF65-F5344CB8AC3E}">
-        <p14:creationId xmlns:p14="http://schemas.microsoft.com/office/powerpoint/2010/main" val="514567115"/>
-      </p:ext>
-    </p:extLst>
   </p:cSld>
   <p:clrMapOvr>
     <a:masterClrMapping/>
@@ -4223,13 +3980,7 @@
       </p:grpSpPr>
       <p:sp>
         <p:nvSpPr>
-          <p:cNvPr id="16" name="Title 15">
-            <a:extLst>
-              <a:ext uri="{FF2B5EF4-FFF2-40B4-BE49-F238E27FC236}">
-                <a16:creationId xmlns:a16="http://schemas.microsoft.com/office/drawing/2014/main" id="{6880C178-2E13-DB9C-B86B-A55B5FE74C66}"/>
-              </a:ext>
-            </a:extLst>
-          </p:cNvPr>
+          <p:cNvPr id="16" name="Title 15"/>
           <p:cNvSpPr>
             <a:spLocks noGrp="1"/>
           </p:cNvSpPr>
@@ -4256,13 +4007,7 @@
       </p:sp>
       <p:pic>
         <p:nvPicPr>
-          <p:cNvPr id="15" name="Content Placeholder 14">
-            <a:extLst>
-              <a:ext uri="{FF2B5EF4-FFF2-40B4-BE49-F238E27FC236}">
-                <a16:creationId xmlns:a16="http://schemas.microsoft.com/office/drawing/2014/main" id="{E6373186-5DF0-C1D7-E7E9-09C9BA692A83}"/>
-              </a:ext>
-            </a:extLst>
-          </p:cNvPr>
+          <p:cNvPr id="15" name="Content Placeholder 14"/>
           <p:cNvPicPr>
             <a:picLocks noGrp="1" noChangeAspect="1"/>
           </p:cNvPicPr>
@@ -4285,13 +4030,7 @@
       </p:pic>
       <p:sp>
         <p:nvSpPr>
-          <p:cNvPr id="17" name="Text Placeholder 16">
-            <a:extLst>
-              <a:ext uri="{FF2B5EF4-FFF2-40B4-BE49-F238E27FC236}">
-                <a16:creationId xmlns:a16="http://schemas.microsoft.com/office/drawing/2014/main" id="{3E92CB65-1524-1FCD-2881-20A0DA2C1C8E}"/>
-              </a:ext>
-            </a:extLst>
-          </p:cNvPr>
+          <p:cNvPr id="17" name="Text Placeholder 16"/>
           <p:cNvSpPr>
             <a:spLocks noGrp="1"/>
           </p:cNvSpPr>
@@ -4359,11 +4098,6 @@
         </p:txBody>
       </p:sp>
     </p:spTree>
-    <p:extLst>
-      <p:ext uri="{BB962C8B-B14F-4D97-AF65-F5344CB8AC3E}">
-        <p14:creationId xmlns:p14="http://schemas.microsoft.com/office/powerpoint/2010/main" val="1165958951"/>
-      </p:ext>
-    </p:extLst>
   </p:cSld>
   <p:clrMapOvr>
     <a:masterClrMapping/>
@@ -4390,13 +4124,7 @@
       </p:grpSpPr>
       <p:sp>
         <p:nvSpPr>
-          <p:cNvPr id="5" name="Title 4">
-            <a:extLst>
-              <a:ext uri="{FF2B5EF4-FFF2-40B4-BE49-F238E27FC236}">
-                <a16:creationId xmlns:a16="http://schemas.microsoft.com/office/drawing/2014/main" id="{A1F88386-F526-F7AC-793D-0FF2575664B8}"/>
-              </a:ext>
-            </a:extLst>
-          </p:cNvPr>
+          <p:cNvPr id="5" name="Title 4"/>
           <p:cNvSpPr>
             <a:spLocks noGrp="1"/>
           </p:cNvSpPr>
@@ -4418,13 +4146,7 @@
       </p:sp>
       <p:pic>
         <p:nvPicPr>
-          <p:cNvPr id="8" name="Content Placeholder 7">
-            <a:extLst>
-              <a:ext uri="{FF2B5EF4-FFF2-40B4-BE49-F238E27FC236}">
-                <a16:creationId xmlns:a16="http://schemas.microsoft.com/office/drawing/2014/main" id="{A623BF87-027E-91FB-2713-3B453806724D}"/>
-              </a:ext>
-            </a:extLst>
-          </p:cNvPr>
+          <p:cNvPr id="8" name="Content Placeholder 7"/>
           <p:cNvPicPr>
             <a:picLocks noGrp="1" noChangeAspect="1"/>
           </p:cNvPicPr>
@@ -4447,13 +4169,7 @@
       </p:pic>
       <p:sp>
         <p:nvSpPr>
-          <p:cNvPr id="9" name="Text Placeholder 8">
-            <a:extLst>
-              <a:ext uri="{FF2B5EF4-FFF2-40B4-BE49-F238E27FC236}">
-                <a16:creationId xmlns:a16="http://schemas.microsoft.com/office/drawing/2014/main" id="{99412BFF-9EE6-016C-C936-61262B10E0DC}"/>
-              </a:ext>
-            </a:extLst>
-          </p:cNvPr>
+          <p:cNvPr id="9" name="Text Placeholder 8"/>
           <p:cNvSpPr>
             <a:spLocks noGrp="1"/>
           </p:cNvSpPr>
@@ -4533,11 +4249,6 @@
         </p:txBody>
       </p:sp>
     </p:spTree>
-    <p:extLst>
-      <p:ext uri="{BB962C8B-B14F-4D97-AF65-F5344CB8AC3E}">
-        <p14:creationId xmlns:p14="http://schemas.microsoft.com/office/powerpoint/2010/main" val="2623217118"/>
-      </p:ext>
-    </p:extLst>
   </p:cSld>
   <p:clrMapOvr>
     <a:masterClrMapping/>
@@ -4564,13 +4275,7 @@
       </p:grpSpPr>
       <p:sp>
         <p:nvSpPr>
-          <p:cNvPr id="2" name="Title 1">
-            <a:extLst>
-              <a:ext uri="{FF2B5EF4-FFF2-40B4-BE49-F238E27FC236}">
-                <a16:creationId xmlns:a16="http://schemas.microsoft.com/office/drawing/2014/main" id="{5FB6CB24-7AE4-681A-FEE9-845DE1E7B026}"/>
-              </a:ext>
-            </a:extLst>
-          </p:cNvPr>
+          <p:cNvPr id="2" name="Title 1"/>
           <p:cNvSpPr>
             <a:spLocks noGrp="1"/>
           </p:cNvSpPr>
@@ -4592,13 +4297,7 @@
       </p:sp>
       <p:sp>
         <p:nvSpPr>
-          <p:cNvPr id="5" name="Content Placeholder 4">
-            <a:extLst>
-              <a:ext uri="{FF2B5EF4-FFF2-40B4-BE49-F238E27FC236}">
-                <a16:creationId xmlns:a16="http://schemas.microsoft.com/office/drawing/2014/main" id="{B127CF19-1001-C1E0-8C55-B096EDCF2CC5}"/>
-              </a:ext>
-            </a:extLst>
-          </p:cNvPr>
+          <p:cNvPr id="5" name="Content Placeholder 4"/>
           <p:cNvSpPr>
             <a:spLocks noGrp="1"/>
           </p:cNvSpPr>
@@ -4625,13 +4324,7 @@
       </p:sp>
       <p:pic>
         <p:nvPicPr>
-          <p:cNvPr id="7" name="Picture 6">
-            <a:extLst>
-              <a:ext uri="{FF2B5EF4-FFF2-40B4-BE49-F238E27FC236}">
-                <a16:creationId xmlns:a16="http://schemas.microsoft.com/office/drawing/2014/main" id="{E4B367F2-5DED-C1C3-F134-51374769EDD1}"/>
-              </a:ext>
-            </a:extLst>
-          </p:cNvPr>
+          <p:cNvPr id="7" name="Picture 6"/>
           <p:cNvPicPr>
             <a:picLocks noChangeAspect="1"/>
           </p:cNvPicPr>
@@ -4640,7 +4333,9 @@
         <p:blipFill rotWithShape="1">
           <a:blip r:embed="rId2"/>
           <a:srcRect b="54243"/>
-          <a:stretch/>
+          <a:stretch>
+            <a:fillRect/>
+          </a:stretch>
         </p:blipFill>
         <p:spPr>
           <a:xfrm>
@@ -4654,13 +4349,7 @@
       </p:pic>
       <p:sp>
         <p:nvSpPr>
-          <p:cNvPr id="9" name="Rectangle 8">
-            <a:extLst>
-              <a:ext uri="{FF2B5EF4-FFF2-40B4-BE49-F238E27FC236}">
-                <a16:creationId xmlns:a16="http://schemas.microsoft.com/office/drawing/2014/main" id="{EF55B38B-824D-9EBF-5BD6-F76E595B5650}"/>
-              </a:ext>
-            </a:extLst>
-          </p:cNvPr>
+          <p:cNvPr id="9" name="Rectangle 8"/>
           <p:cNvSpPr/>
           <p:nvPr/>
         </p:nvSpPr>
@@ -4705,11 +4394,6 @@
         </p:txBody>
       </p:sp>
     </p:spTree>
-    <p:extLst>
-      <p:ext uri="{BB962C8B-B14F-4D97-AF65-F5344CB8AC3E}">
-        <p14:creationId xmlns:p14="http://schemas.microsoft.com/office/powerpoint/2010/main" val="2027513566"/>
-      </p:ext>
-    </p:extLst>
   </p:cSld>
   <p:clrMapOvr>
     <a:masterClrMapping/>
@@ -4736,13 +4420,7 @@
       </p:grpSpPr>
       <p:sp>
         <p:nvSpPr>
-          <p:cNvPr id="9" name="TextBox 8">
-            <a:extLst>
-              <a:ext uri="{FF2B5EF4-FFF2-40B4-BE49-F238E27FC236}">
-                <a16:creationId xmlns:a16="http://schemas.microsoft.com/office/drawing/2014/main" id="{5826A797-71AF-94DC-FC9A-E3CB709B7421}"/>
-              </a:ext>
-            </a:extLst>
-          </p:cNvPr>
+          <p:cNvPr id="9" name="TextBox 8"/>
           <p:cNvSpPr txBox="1"/>
           <p:nvPr/>
         </p:nvSpPr>
@@ -4771,13 +4449,7 @@
       </p:sp>
       <p:pic>
         <p:nvPicPr>
-          <p:cNvPr id="11" name="Picture 10">
-            <a:extLst>
-              <a:ext uri="{FF2B5EF4-FFF2-40B4-BE49-F238E27FC236}">
-                <a16:creationId xmlns:a16="http://schemas.microsoft.com/office/drawing/2014/main" id="{34F48E1A-18C8-7F58-76F1-6C3EE15D0331}"/>
-              </a:ext>
-            </a:extLst>
-          </p:cNvPr>
+          <p:cNvPr id="11" name="Picture 10"/>
           <p:cNvPicPr>
             <a:picLocks noChangeAspect="1"/>
           </p:cNvPicPr>
@@ -4799,12 +4471,50 @@
           </a:prstGeom>
         </p:spPr>
       </p:pic>
+      <p:sp>
+        <p:nvSpPr>
+          <p:cNvPr id="3" name="Rectangles 2"/>
+          <p:cNvSpPr/>
+          <p:nvPr/>
+        </p:nvSpPr>
+        <p:spPr>
+          <a:xfrm>
+            <a:off x="5123815" y="2249805"/>
+            <a:ext cx="414020" cy="202565"/>
+          </a:xfrm>
+          <a:prstGeom prst="rect">
+            <a:avLst/>
+          </a:prstGeom>
+          <a:ln w="28575">
+            <a:solidFill>
+              <a:srgbClr val="FFFF00"/>
+            </a:solidFill>
+          </a:ln>
+        </p:spPr>
+        <p:style>
+          <a:lnRef idx="2">
+            <a:schemeClr val="accent1"/>
+          </a:lnRef>
+          <a:fillRef idx="0">
+            <a:srgbClr val="FFFFFF"/>
+          </a:fillRef>
+          <a:effectRef idx="0">
+            <a:srgbClr val="FFFFFF"/>
+          </a:effectRef>
+          <a:fontRef idx="minor">
+            <a:schemeClr val="dk1"/>
+          </a:fontRef>
+        </p:style>
+        <p:txBody>
+          <a:bodyPr rtlCol="0" anchor="ctr"/>
+          <a:lstStyle/>
+          <a:p>
+            <a:pPr algn="ctr"/>
+            <a:endParaRPr lang="en-US"/>
+          </a:p>
+        </p:txBody>
+      </p:sp>
     </p:spTree>
-    <p:extLst>
-      <p:ext uri="{BB962C8B-B14F-4D97-AF65-F5344CB8AC3E}">
-        <p14:creationId xmlns:p14="http://schemas.microsoft.com/office/powerpoint/2010/main" val="2989762451"/>
-      </p:ext>
-    </p:extLst>
   </p:cSld>
   <p:clrMapOvr>
     <a:masterClrMapping/>
@@ -4831,13 +4541,7 @@
       </p:grpSpPr>
       <p:sp>
         <p:nvSpPr>
-          <p:cNvPr id="2" name="TextBox 1">
-            <a:extLst>
-              <a:ext uri="{FF2B5EF4-FFF2-40B4-BE49-F238E27FC236}">
-                <a16:creationId xmlns:a16="http://schemas.microsoft.com/office/drawing/2014/main" id="{1BADFAF2-83E0-8779-D79F-757B5C8E71B7}"/>
-              </a:ext>
-            </a:extLst>
-          </p:cNvPr>
+          <p:cNvPr id="2" name="TextBox 1"/>
           <p:cNvSpPr txBox="1"/>
           <p:nvPr/>
         </p:nvSpPr>
@@ -4866,13 +4570,7 @@
       </p:sp>
       <p:pic>
         <p:nvPicPr>
-          <p:cNvPr id="4" name="Picture 3">
-            <a:extLst>
-              <a:ext uri="{FF2B5EF4-FFF2-40B4-BE49-F238E27FC236}">
-                <a16:creationId xmlns:a16="http://schemas.microsoft.com/office/drawing/2014/main" id="{56F467C1-D40B-3846-F94C-CC381758BABF}"/>
-              </a:ext>
-            </a:extLst>
-          </p:cNvPr>
+          <p:cNvPr id="4" name="Picture 3"/>
           <p:cNvPicPr>
             <a:picLocks noChangeAspect="1"/>
           </p:cNvPicPr>
@@ -4894,12 +4592,62 @@
           </a:prstGeom>
         </p:spPr>
       </p:pic>
+      <p:sp>
+        <p:nvSpPr>
+          <p:cNvPr id="5" name="Rectangles 4"/>
+          <p:cNvSpPr/>
+          <p:nvPr/>
+        </p:nvSpPr>
+        <p:spPr>
+          <a:xfrm>
+            <a:off x="5403215" y="2058035"/>
+            <a:ext cx="384810" cy="191770"/>
+          </a:xfrm>
+          <a:prstGeom prst="rect">
+            <a:avLst/>
+          </a:prstGeom>
+          <a:noFill/>
+          <a:ln w="19050">
+            <a:solidFill>
+              <a:srgbClr val="FF0000"/>
+            </a:solidFill>
+          </a:ln>
+          <a:extLst>
+            <a:ext uri="{909E8E84-426E-40DD-AFC4-6F175D3DCCD1}">
+              <a14:hiddenFill xmlns:a14="http://schemas.microsoft.com/office/drawing/2010/main">
+                <a:solidFill>
+                  <a:schemeClr val="bg1"/>
+                </a:solidFill>
+              </a14:hiddenFill>
+            </a:ext>
+          </a:extLst>
+        </p:spPr>
+        <p:style>
+          <a:lnRef idx="2">
+            <a:schemeClr val="accent1">
+              <a:lumMod val="75000"/>
+            </a:schemeClr>
+          </a:lnRef>
+          <a:fillRef idx="1">
+            <a:schemeClr val="accent1"/>
+          </a:fillRef>
+          <a:effectRef idx="0">
+            <a:srgbClr val="FFFFFF"/>
+          </a:effectRef>
+          <a:fontRef idx="minor">
+            <a:schemeClr val="lt1"/>
+          </a:fontRef>
+        </p:style>
+        <p:txBody>
+          <a:bodyPr rtlCol="0" anchor="ctr"/>
+          <a:lstStyle/>
+          <a:p>
+            <a:pPr algn="ctr"/>
+            <a:endParaRPr lang="en-US"/>
+          </a:p>
+        </p:txBody>
+      </p:sp>
     </p:spTree>
-    <p:extLst>
-      <p:ext uri="{BB962C8B-B14F-4D97-AF65-F5344CB8AC3E}">
-        <p14:creationId xmlns:p14="http://schemas.microsoft.com/office/powerpoint/2010/main" val="716548451"/>
-      </p:ext>
-    </p:extLst>
   </p:cSld>
   <p:clrMapOvr>
     <a:masterClrMapping/>
@@ -4950,7 +4698,7 @@
     </a:clrScheme>
     <a:fontScheme name="Office">
       <a:majorFont>
-        <a:latin typeface="Calibri Light" panose="020F0302020204030204"/>
+        <a:latin typeface="Calibri Light"/>
         <a:ea typeface=""/>
         <a:cs typeface=""/>
         <a:font script="Jpan" typeface="游ゴシック Light"/>
@@ -4983,26 +4731,9 @@
         <a:font script="Viet" typeface="Times New Roman"/>
         <a:font script="Uigh" typeface="Microsoft Uighur"/>
         <a:font script="Geor" typeface="Sylfaen"/>
-        <a:font script="Armn" typeface="Arial"/>
-        <a:font script="Bugi" typeface="Leelawadee UI"/>
-        <a:font script="Bopo" typeface="Microsoft JhengHei"/>
-        <a:font script="Java" typeface="Javanese Text"/>
-        <a:font script="Lisu" typeface="Segoe UI"/>
-        <a:font script="Mymr" typeface="Myanmar Text"/>
-        <a:font script="Nkoo" typeface="Ebrima"/>
-        <a:font script="Olck" typeface="Nirmala UI"/>
-        <a:font script="Osma" typeface="Ebrima"/>
-        <a:font script="Phag" typeface="Phagspa"/>
-        <a:font script="Syrn" typeface="Estrangelo Edessa"/>
-        <a:font script="Syrj" typeface="Estrangelo Edessa"/>
-        <a:font script="Syre" typeface="Estrangelo Edessa"/>
-        <a:font script="Sora" typeface="Nirmala UI"/>
-        <a:font script="Tale" typeface="Microsoft Tai Le"/>
-        <a:font script="Talu" typeface="Microsoft New Tai Lue"/>
-        <a:font script="Tfng" typeface="Ebrima"/>
       </a:majorFont>
       <a:minorFont>
-        <a:latin typeface="Calibri" panose="020F0502020204030204"/>
+        <a:latin typeface="Calibri"/>
         <a:ea typeface=""/>
         <a:cs typeface=""/>
         <a:font script="Jpan" typeface="游ゴシック"/>
@@ -5035,23 +4766,6 @@
         <a:font script="Viet" typeface="Arial"/>
         <a:font script="Uigh" typeface="Microsoft Uighur"/>
         <a:font script="Geor" typeface="Sylfaen"/>
-        <a:font script="Armn" typeface="Arial"/>
-        <a:font script="Bugi" typeface="Leelawadee UI"/>
-        <a:font script="Bopo" typeface="Microsoft JhengHei"/>
-        <a:font script="Java" typeface="Javanese Text"/>
-        <a:font script="Lisu" typeface="Segoe UI"/>
-        <a:font script="Mymr" typeface="Myanmar Text"/>
-        <a:font script="Nkoo" typeface="Ebrima"/>
-        <a:font script="Olck" typeface="Nirmala UI"/>
-        <a:font script="Osma" typeface="Ebrima"/>
-        <a:font script="Phag" typeface="Phagspa"/>
-        <a:font script="Syrn" typeface="Estrangelo Edessa"/>
-        <a:font script="Syrj" typeface="Estrangelo Edessa"/>
-        <a:font script="Syre" typeface="Estrangelo Edessa"/>
-        <a:font script="Sora" typeface="Nirmala UI"/>
-        <a:font script="Tale" typeface="Microsoft Tai Le"/>
-        <a:font script="Talu" typeface="Microsoft New Tai Lue"/>
-        <a:font script="Tfng" typeface="Ebrima"/>
       </a:minorFont>
     </a:fontScheme>
     <a:fmtScheme name="Office">
